--- a/Materials/figures manually created/Fig. 1.pptx
+++ b/Materials/figures manually created/Fig. 1.pptx
@@ -209,7 +209,7 @@
           <a:p>
             <a:fld id="{77C10B95-DE72-CA42-8E03-6337D8532236}" type="datetimeFigureOut">
               <a:rPr lang="de-DE" smtClean="0"/>
-              <a:t>08.01.2025</a:t>
+              <a:t>10.01.2025</a:t>
             </a:fld>
             <a:endParaRPr lang="de-DE"/>
           </a:p>
@@ -696,7 +696,7 @@
           <a:p>
             <a:fld id="{24188342-571A-6841-AC1D-E620118845AD}" type="datetimeFigureOut">
               <a:rPr lang="en-US" smtClean="0"/>
-              <a:t>1/8/2025</a:t>
+              <a:t>1/10/2025</a:t>
             </a:fld>
             <a:endParaRPr lang="en-US"/>
           </a:p>
@@ -866,7 +866,7 @@
           <a:p>
             <a:fld id="{24188342-571A-6841-AC1D-E620118845AD}" type="datetimeFigureOut">
               <a:rPr lang="en-US" smtClean="0"/>
-              <a:t>1/8/2025</a:t>
+              <a:t>1/10/2025</a:t>
             </a:fld>
             <a:endParaRPr lang="en-US"/>
           </a:p>
@@ -1046,7 +1046,7 @@
           <a:p>
             <a:fld id="{24188342-571A-6841-AC1D-E620118845AD}" type="datetimeFigureOut">
               <a:rPr lang="en-US" smtClean="0"/>
-              <a:t>1/8/2025</a:t>
+              <a:t>1/10/2025</a:t>
             </a:fld>
             <a:endParaRPr lang="en-US"/>
           </a:p>
@@ -1216,7 +1216,7 @@
           <a:p>
             <a:fld id="{24188342-571A-6841-AC1D-E620118845AD}" type="datetimeFigureOut">
               <a:rPr lang="en-US" smtClean="0"/>
-              <a:t>1/8/2025</a:t>
+              <a:t>1/10/2025</a:t>
             </a:fld>
             <a:endParaRPr lang="en-US"/>
           </a:p>
@@ -1460,7 +1460,7 @@
           <a:p>
             <a:fld id="{24188342-571A-6841-AC1D-E620118845AD}" type="datetimeFigureOut">
               <a:rPr lang="en-US" smtClean="0"/>
-              <a:t>1/8/2025</a:t>
+              <a:t>1/10/2025</a:t>
             </a:fld>
             <a:endParaRPr lang="en-US"/>
           </a:p>
@@ -1692,7 +1692,7 @@
           <a:p>
             <a:fld id="{24188342-571A-6841-AC1D-E620118845AD}" type="datetimeFigureOut">
               <a:rPr lang="en-US" smtClean="0"/>
-              <a:t>1/8/2025</a:t>
+              <a:t>1/10/2025</a:t>
             </a:fld>
             <a:endParaRPr lang="en-US"/>
           </a:p>
@@ -2059,7 +2059,7 @@
           <a:p>
             <a:fld id="{24188342-571A-6841-AC1D-E620118845AD}" type="datetimeFigureOut">
               <a:rPr lang="en-US" smtClean="0"/>
-              <a:t>1/8/2025</a:t>
+              <a:t>1/10/2025</a:t>
             </a:fld>
             <a:endParaRPr lang="en-US"/>
           </a:p>
@@ -2177,7 +2177,7 @@
           <a:p>
             <a:fld id="{24188342-571A-6841-AC1D-E620118845AD}" type="datetimeFigureOut">
               <a:rPr lang="en-US" smtClean="0"/>
-              <a:t>1/8/2025</a:t>
+              <a:t>1/10/2025</a:t>
             </a:fld>
             <a:endParaRPr lang="en-US"/>
           </a:p>
@@ -2272,7 +2272,7 @@
           <a:p>
             <a:fld id="{24188342-571A-6841-AC1D-E620118845AD}" type="datetimeFigureOut">
               <a:rPr lang="en-US" smtClean="0"/>
-              <a:t>1/8/2025</a:t>
+              <a:t>1/10/2025</a:t>
             </a:fld>
             <a:endParaRPr lang="en-US"/>
           </a:p>
@@ -2549,7 +2549,7 @@
           <a:p>
             <a:fld id="{24188342-571A-6841-AC1D-E620118845AD}" type="datetimeFigureOut">
               <a:rPr lang="en-US" smtClean="0"/>
-              <a:t>1/8/2025</a:t>
+              <a:t>1/10/2025</a:t>
             </a:fld>
             <a:endParaRPr lang="en-US"/>
           </a:p>
@@ -2806,7 +2806,7 @@
           <a:p>
             <a:fld id="{24188342-571A-6841-AC1D-E620118845AD}" type="datetimeFigureOut">
               <a:rPr lang="en-US" smtClean="0"/>
-              <a:t>1/8/2025</a:t>
+              <a:t>1/10/2025</a:t>
             </a:fld>
             <a:endParaRPr lang="en-US"/>
           </a:p>
@@ -3019,7 +3019,7 @@
           <a:p>
             <a:fld id="{24188342-571A-6841-AC1D-E620118845AD}" type="datetimeFigureOut">
               <a:rPr lang="en-US" smtClean="0"/>
-              <a:t>1/8/2025</a:t>
+              <a:t>1/10/2025</a:t>
             </a:fld>
             <a:endParaRPr lang="en-US"/>
           </a:p>
@@ -3519,7 +3519,10 @@
           <a:p>
             <a:pPr algn="ctr"/>
             <a:r>
-              <a:rPr lang="en-US" sz="1600" dirty="0"/>
+              <a:rPr lang="en-US" sz="1600" dirty="0">
+                <a:latin typeface="Times New Roman" panose="02020603050405020304" pitchFamily="18" charset="0"/>
+                <a:cs typeface="Times New Roman" panose="02020603050405020304" pitchFamily="18" charset="0"/>
+              </a:rPr>
               <a:t>Loss of therapist jobs</a:t>
             </a:r>
           </a:p>
@@ -3577,7 +3580,10 @@
           <a:lstStyle/>
           <a:p>
             <a:pPr algn="ctr"/>
-            <a:endParaRPr lang="en-US" sz="4000"/>
+            <a:endParaRPr lang="en-US" sz="4000">
+              <a:latin typeface="Times New Roman" panose="02020603050405020304" pitchFamily="18" charset="0"/>
+              <a:cs typeface="Times New Roman" panose="02020603050405020304" pitchFamily="18" charset="0"/>
+            </a:endParaRPr>
           </a:p>
         </p:txBody>
       </p:sp>
@@ -3678,7 +3684,10 @@
           <a:p>
             <a:pPr algn="ctr"/>
             <a:r>
-              <a:rPr lang="en-US" sz="4000" dirty="0"/>
+              <a:rPr lang="en-US" sz="4000" dirty="0">
+                <a:latin typeface="Times New Roman" panose="02020603050405020304" pitchFamily="18" charset="0"/>
+                <a:cs typeface="Times New Roman" panose="02020603050405020304" pitchFamily="18" charset="0"/>
+              </a:rPr>
               <a:t>xxx</a:t>
             </a:r>
           </a:p>
@@ -3736,7 +3745,10 @@
           <a:lstStyle/>
           <a:p>
             <a:pPr algn="ctr"/>
-            <a:endParaRPr lang="en-US" sz="4000"/>
+            <a:endParaRPr lang="en-US" sz="4000">
+              <a:latin typeface="Times New Roman" panose="02020603050405020304" pitchFamily="18" charset="0"/>
+              <a:cs typeface="Times New Roman" panose="02020603050405020304" pitchFamily="18" charset="0"/>
+            </a:endParaRPr>
           </a:p>
         </p:txBody>
       </p:sp>
@@ -3838,7 +3850,10 @@
           <a:lstStyle/>
           <a:p>
             <a:pPr algn="ctr"/>
-            <a:endParaRPr lang="en-US" sz="4000"/>
+            <a:endParaRPr lang="en-US" sz="4000">
+              <a:latin typeface="Times New Roman" panose="02020603050405020304" pitchFamily="18" charset="0"/>
+              <a:cs typeface="Times New Roman" panose="02020603050405020304" pitchFamily="18" charset="0"/>
+            </a:endParaRPr>
           </a:p>
         </p:txBody>
       </p:sp>
@@ -3938,7 +3953,10 @@
           <a:p>
             <a:pPr algn="ctr"/>
             <a:r>
-              <a:rPr lang="en-US" sz="1600" dirty="0"/>
+              <a:rPr lang="en-US" sz="1600" dirty="0">
+                <a:latin typeface="Times New Roman" panose="02020603050405020304" pitchFamily="18" charset="0"/>
+                <a:cs typeface="Times New Roman" panose="02020603050405020304" pitchFamily="18" charset="0"/>
+              </a:rPr>
               <a:t>No human contact</a:t>
             </a:r>
           </a:p>
@@ -4039,7 +4057,10 @@
           <a:p>
             <a:pPr algn="ctr"/>
             <a:r>
-              <a:rPr lang="en-US" sz="1600" dirty="0"/>
+              <a:rPr lang="en-US" sz="1600" dirty="0">
+                <a:latin typeface="Times New Roman" panose="02020603050405020304" pitchFamily="18" charset="0"/>
+                <a:cs typeface="Times New Roman" panose="02020603050405020304" pitchFamily="18" charset="0"/>
+              </a:rPr>
               <a:t>Low risk of injury</a:t>
             </a:r>
           </a:p>
@@ -4097,7 +4118,10 @@
           <a:lstStyle/>
           <a:p>
             <a:pPr algn="ctr"/>
-            <a:endParaRPr lang="en-US" sz="4000"/>
+            <a:endParaRPr lang="en-US" sz="4000">
+              <a:latin typeface="Times New Roman" panose="02020603050405020304" pitchFamily="18" charset="0"/>
+              <a:cs typeface="Times New Roman" panose="02020603050405020304" pitchFamily="18" charset="0"/>
+            </a:endParaRPr>
           </a:p>
         </p:txBody>
       </p:sp>
@@ -4197,14 +4221,12 @@
           <a:p>
             <a:pPr algn="ctr"/>
             <a:r>
-              <a:rPr lang="en-US" sz="1600" dirty="0"/>
-              <a:t>Non-judgmental </a:t>
-            </a:r>
-            <a:r>
-              <a:rPr lang="en-US" sz="1600" dirty="0" err="1"/>
-              <a:t>feedack</a:t>
-            </a:r>
-            <a:endParaRPr lang="en-US" sz="1600" dirty="0"/>
+              <a:rPr lang="en-US" sz="1600" dirty="0">
+                <a:latin typeface="Times New Roman" panose="02020603050405020304" pitchFamily="18" charset="0"/>
+                <a:cs typeface="Times New Roman" panose="02020603050405020304" pitchFamily="18" charset="0"/>
+              </a:rPr>
+              <a:t>Non-judgmental feedback</a:t>
+            </a:r>
           </a:p>
         </p:txBody>
       </p:sp>
@@ -4304,7 +4326,10 @@
           <a:p>
             <a:pPr algn="ctr"/>
             <a:r>
-              <a:rPr lang="en-US" sz="1600" dirty="0"/>
+              <a:rPr lang="en-US" sz="1600" dirty="0">
+                <a:latin typeface="Times New Roman" panose="02020603050405020304" pitchFamily="18" charset="0"/>
+                <a:cs typeface="Times New Roman" panose="02020603050405020304" pitchFamily="18" charset="0"/>
+              </a:rPr>
               <a:t>Risk of dependency</a:t>
             </a:r>
           </a:p>
@@ -4410,7 +4435,10 @@
           <a:lstStyle/>
           <a:p>
             <a:pPr algn="ctr"/>
-            <a:endParaRPr lang="en-US" sz="4000"/>
+            <a:endParaRPr lang="en-US" sz="4000">
+              <a:latin typeface="Times New Roman" panose="02020603050405020304" pitchFamily="18" charset="0"/>
+              <a:cs typeface="Times New Roman" panose="02020603050405020304" pitchFamily="18" charset="0"/>
+            </a:endParaRPr>
           </a:p>
         </p:txBody>
       </p:sp>
@@ -5002,7 +5030,10 @@
           <a:lstStyle/>
           <a:p>
             <a:pPr algn="ctr"/>
-            <a:endParaRPr lang="en-US" sz="4000"/>
+            <a:endParaRPr lang="en-US" sz="4000">
+              <a:latin typeface="Times New Roman" panose="02020603050405020304" pitchFamily="18" charset="0"/>
+              <a:cs typeface="Times New Roman" panose="02020603050405020304" pitchFamily="18" charset="0"/>
+            </a:endParaRPr>
           </a:p>
         </p:txBody>
       </p:sp>

--- a/Materials/figures manually created/Fig. 1.pptx
+++ b/Materials/figures manually created/Fig. 1.pptx
@@ -2,15 +2,16 @@
 <file path=ppt/presentation.xml><?xml version="1.0" encoding="utf-8"?>
 <p:presentation xmlns:a="http://schemas.openxmlformats.org/drawingml/2006/main" xmlns:r="http://schemas.openxmlformats.org/officeDocument/2006/relationships" xmlns:p="http://schemas.openxmlformats.org/presentationml/2006/main" saveSubsetFonts="1" autoCompressPictures="0">
   <p:sldMasterIdLst>
-    <p:sldMasterId id="2147483684" r:id="rId1"/>
+    <p:sldMasterId id="2147483696" r:id="rId1"/>
   </p:sldMasterIdLst>
   <p:notesMasterIdLst>
-    <p:notesMasterId r:id="rId3"/>
+    <p:notesMasterId r:id="rId4"/>
   </p:notesMasterIdLst>
   <p:sldIdLst>
-    <p:sldId id="289" r:id="rId2"/>
+    <p:sldId id="291" r:id="rId2"/>
+    <p:sldId id="292" r:id="rId3"/>
   </p:sldIdLst>
-  <p:sldSz cx="12192000" cy="6858000"/>
+  <p:sldSz cx="12192000" cy="5778500"/>
   <p:notesSz cx="6858000" cy="9144000"/>
   <p:defaultTextStyle>
     <a:defPPr>
@@ -209,7 +210,7 @@
           <a:p>
             <a:fld id="{77C10B95-DE72-CA42-8E03-6337D8532236}" type="datetimeFigureOut">
               <a:rPr lang="de-DE" smtClean="0"/>
-              <a:t>10.01.2025</a:t>
+              <a:t>13.02.2025</a:t>
             </a:fld>
             <a:endParaRPr lang="de-DE"/>
           </a:p>
@@ -227,8 +228,8 @@
         </p:nvSpPr>
         <p:spPr>
           <a:xfrm>
-            <a:off x="685800" y="1143000"/>
-            <a:ext cx="5486400" cy="3086100"/>
+            <a:off x="174625" y="1143000"/>
+            <a:ext cx="6508750" cy="3086100"/>
           </a:xfrm>
           <a:prstGeom prst="rect">
             <a:avLst/>
@@ -481,7 +482,13 @@
   <p:cSld>
     <p:spTree>
       <p:nvGrpSpPr>
-        <p:cNvPr id="1" name=""/>
+        <p:cNvPr id="1" name="">
+          <a:extLst>
+            <a:ext uri="{FF2B5EF4-FFF2-40B4-BE49-F238E27FC236}">
+              <a16:creationId xmlns:a16="http://schemas.microsoft.com/office/drawing/2014/main" id="{D4CB186A-09CC-8430-AE0A-D6726ED69CF0}"/>
+            </a:ext>
+          </a:extLst>
+        </p:cNvPr>
         <p:cNvGrpSpPr/>
         <p:nvPr/>
       </p:nvGrpSpPr>
@@ -495,7 +502,13 @@
       </p:grpSpPr>
       <p:sp>
         <p:nvSpPr>
-          <p:cNvPr id="2" name="Folienbildplatzhalter 1"/>
+          <p:cNvPr id="2" name="Folienbildplatzhalter 1">
+            <a:extLst>
+              <a:ext uri="{FF2B5EF4-FFF2-40B4-BE49-F238E27FC236}">
+                <a16:creationId xmlns:a16="http://schemas.microsoft.com/office/drawing/2014/main" id="{67821B26-CE8D-8B38-B6CF-697F56A7CB38}"/>
+              </a:ext>
+            </a:extLst>
+          </p:cNvPr>
           <p:cNvSpPr>
             <a:spLocks noGrp="1" noRot="1" noChangeAspect="1"/>
           </p:cNvSpPr>
@@ -505,14 +518,20 @@
         </p:nvSpPr>
         <p:spPr>
           <a:xfrm>
-            <a:off x="685800" y="1143000"/>
-            <a:ext cx="5486400" cy="3086100"/>
-          </a:xfrm>
-        </p:spPr>
-      </p:sp>
-      <p:sp>
-        <p:nvSpPr>
-          <p:cNvPr id="3" name="Notizenplatzhalter 2"/>
+            <a:off x="174625" y="1143000"/>
+            <a:ext cx="6508750" cy="3086100"/>
+          </a:xfrm>
+        </p:spPr>
+      </p:sp>
+      <p:sp>
+        <p:nvSpPr>
+          <p:cNvPr id="3" name="Notizenplatzhalter 2">
+            <a:extLst>
+              <a:ext uri="{FF2B5EF4-FFF2-40B4-BE49-F238E27FC236}">
+                <a16:creationId xmlns:a16="http://schemas.microsoft.com/office/drawing/2014/main" id="{217DFFEC-6112-E1FB-7A44-7FCD90D58073}"/>
+              </a:ext>
+            </a:extLst>
+          </p:cNvPr>
           <p:cNvSpPr>
             <a:spLocks noGrp="1"/>
           </p:cNvSpPr>
@@ -531,7 +550,13 @@
       </p:sp>
       <p:sp>
         <p:nvSpPr>
-          <p:cNvPr id="4" name="Foliennummernplatzhalter 3"/>
+          <p:cNvPr id="4" name="Foliennummernplatzhalter 3">
+            <a:extLst>
+              <a:ext uri="{FF2B5EF4-FFF2-40B4-BE49-F238E27FC236}">
+                <a16:creationId xmlns:a16="http://schemas.microsoft.com/office/drawing/2014/main" id="{0F1E94A1-8C4E-4EF2-AEBD-89E5A32251F7}"/>
+              </a:ext>
+            </a:extLst>
+          </p:cNvPr>
           <p:cNvSpPr>
             <a:spLocks noGrp="1"/>
           </p:cNvSpPr>
@@ -555,7 +580,120 @@
     </p:spTree>
     <p:extLst>
       <p:ext uri="{BB962C8B-B14F-4D97-AF65-F5344CB8AC3E}">
-        <p14:creationId xmlns:p14="http://schemas.microsoft.com/office/powerpoint/2010/main" val="1954390475"/>
+        <p14:creationId xmlns:p14="http://schemas.microsoft.com/office/powerpoint/2010/main" val="1819201191"/>
+      </p:ext>
+    </p:extLst>
+  </p:cSld>
+  <p:clrMapOvr>
+    <a:masterClrMapping/>
+  </p:clrMapOvr>
+</p:notes>
+</file>
+
+<file path=ppt/notesSlides/notesSlide2.xml><?xml version="1.0" encoding="utf-8"?>
+<p:notes xmlns:a="http://schemas.openxmlformats.org/drawingml/2006/main" xmlns:r="http://schemas.openxmlformats.org/officeDocument/2006/relationships" xmlns:p="http://schemas.openxmlformats.org/presentationml/2006/main">
+  <p:cSld>
+    <p:spTree>
+      <p:nvGrpSpPr>
+        <p:cNvPr id="1" name="">
+          <a:extLst>
+            <a:ext uri="{FF2B5EF4-FFF2-40B4-BE49-F238E27FC236}">
+              <a16:creationId xmlns:a16="http://schemas.microsoft.com/office/drawing/2014/main" id="{D6A0AF42-8E4C-9902-3E70-ACCFE1B97DED}"/>
+            </a:ext>
+          </a:extLst>
+        </p:cNvPr>
+        <p:cNvGrpSpPr/>
+        <p:nvPr/>
+      </p:nvGrpSpPr>
+      <p:grpSpPr>
+        <a:xfrm>
+          <a:off x="0" y="0"/>
+          <a:ext cx="0" cy="0"/>
+          <a:chOff x="0" y="0"/>
+          <a:chExt cx="0" cy="0"/>
+        </a:xfrm>
+      </p:grpSpPr>
+      <p:sp>
+        <p:nvSpPr>
+          <p:cNvPr id="2" name="Folienbildplatzhalter 1">
+            <a:extLst>
+              <a:ext uri="{FF2B5EF4-FFF2-40B4-BE49-F238E27FC236}">
+                <a16:creationId xmlns:a16="http://schemas.microsoft.com/office/drawing/2014/main" id="{82A1F2C2-13D7-A45E-50EC-7A8C89BA631C}"/>
+              </a:ext>
+            </a:extLst>
+          </p:cNvPr>
+          <p:cNvSpPr>
+            <a:spLocks noGrp="1" noRot="1" noChangeAspect="1"/>
+          </p:cNvSpPr>
+          <p:nvPr>
+            <p:ph type="sldImg"/>
+          </p:nvPr>
+        </p:nvSpPr>
+        <p:spPr>
+          <a:xfrm>
+            <a:off x="174625" y="1143000"/>
+            <a:ext cx="6508750" cy="3086100"/>
+          </a:xfrm>
+        </p:spPr>
+      </p:sp>
+      <p:sp>
+        <p:nvSpPr>
+          <p:cNvPr id="3" name="Notizenplatzhalter 2">
+            <a:extLst>
+              <a:ext uri="{FF2B5EF4-FFF2-40B4-BE49-F238E27FC236}">
+                <a16:creationId xmlns:a16="http://schemas.microsoft.com/office/drawing/2014/main" id="{5C586711-3B39-DE79-0E91-D6BCBD48A88A}"/>
+              </a:ext>
+            </a:extLst>
+          </p:cNvPr>
+          <p:cNvSpPr>
+            <a:spLocks noGrp="1"/>
+          </p:cNvSpPr>
+          <p:nvPr>
+            <p:ph type="body" idx="1"/>
+          </p:nvPr>
+        </p:nvSpPr>
+        <p:spPr/>
+        <p:txBody>
+          <a:bodyPr/>
+          <a:lstStyle/>
+          <a:p>
+            <a:endParaRPr lang="de-DE"/>
+          </a:p>
+        </p:txBody>
+      </p:sp>
+      <p:sp>
+        <p:nvSpPr>
+          <p:cNvPr id="4" name="Foliennummernplatzhalter 3">
+            <a:extLst>
+              <a:ext uri="{FF2B5EF4-FFF2-40B4-BE49-F238E27FC236}">
+                <a16:creationId xmlns:a16="http://schemas.microsoft.com/office/drawing/2014/main" id="{0F0CCAD9-62E6-4885-1010-AA44915DD9FC}"/>
+              </a:ext>
+            </a:extLst>
+          </p:cNvPr>
+          <p:cNvSpPr>
+            <a:spLocks noGrp="1"/>
+          </p:cNvSpPr>
+          <p:nvPr>
+            <p:ph type="sldNum" sz="quarter" idx="5"/>
+          </p:nvPr>
+        </p:nvSpPr>
+        <p:spPr/>
+        <p:txBody>
+          <a:bodyPr/>
+          <a:lstStyle/>
+          <a:p>
+            <a:fld id="{E0D08F78-4A22-0044-A158-870781059125}" type="slidenum">
+              <a:rPr lang="de-DE" smtClean="0"/>
+              <a:t>2</a:t>
+            </a:fld>
+            <a:endParaRPr lang="de-DE"/>
+          </a:p>
+        </p:txBody>
+      </p:sp>
+    </p:spTree>
+    <p:extLst>
+      <p:ext uri="{BB962C8B-B14F-4D97-AF65-F5344CB8AC3E}">
+        <p14:creationId xmlns:p14="http://schemas.microsoft.com/office/powerpoint/2010/main" val="409547283"/>
       </p:ext>
     </p:extLst>
   </p:cSld>
@@ -594,15 +732,15 @@
         </p:nvSpPr>
         <p:spPr>
           <a:xfrm>
-            <a:off x="914400" y="1122363"/>
-            <a:ext cx="10363200" cy="2387600"/>
+            <a:off x="1524000" y="945695"/>
+            <a:ext cx="9144000" cy="2011774"/>
           </a:xfrm>
         </p:spPr>
         <p:txBody>
           <a:bodyPr anchor="b"/>
           <a:lstStyle>
             <a:lvl1pPr algn="ctr">
-              <a:defRPr sz="6000"/>
+              <a:defRPr sz="5056"/>
             </a:lvl1pPr>
           </a:lstStyle>
           <a:p>
@@ -626,8 +764,8 @@
         </p:nvSpPr>
         <p:spPr>
           <a:xfrm>
-            <a:off x="1524000" y="3602038"/>
-            <a:ext cx="9144000" cy="1655762"/>
+            <a:off x="1524000" y="3035050"/>
+            <a:ext cx="9144000" cy="1395133"/>
           </a:xfrm>
         </p:spPr>
         <p:txBody>
@@ -635,39 +773,39 @@
           <a:lstStyle>
             <a:lvl1pPr marL="0" indent="0" algn="ctr">
               <a:buNone/>
-              <a:defRPr sz="2400"/>
+              <a:defRPr sz="2022"/>
             </a:lvl1pPr>
-            <a:lvl2pPr marL="457159" indent="0" algn="ctr">
+            <a:lvl2pPr marL="385237" indent="0" algn="ctr">
               <a:buNone/>
-              <a:defRPr sz="2000"/>
+              <a:defRPr sz="1685"/>
             </a:lvl2pPr>
-            <a:lvl3pPr marL="914317" indent="0" algn="ctr">
+            <a:lvl3pPr marL="770473" indent="0" algn="ctr">
               <a:buNone/>
-              <a:defRPr sz="1800"/>
+              <a:defRPr sz="1517"/>
             </a:lvl3pPr>
-            <a:lvl4pPr marL="1371476" indent="0" algn="ctr">
+            <a:lvl4pPr marL="1155710" indent="0" algn="ctr">
               <a:buNone/>
-              <a:defRPr sz="1600"/>
+              <a:defRPr sz="1348"/>
             </a:lvl4pPr>
-            <a:lvl5pPr marL="1828635" indent="0" algn="ctr">
+            <a:lvl5pPr marL="1540947" indent="0" algn="ctr">
               <a:buNone/>
-              <a:defRPr sz="1600"/>
+              <a:defRPr sz="1348"/>
             </a:lvl5pPr>
-            <a:lvl6pPr marL="2285793" indent="0" algn="ctr">
+            <a:lvl6pPr marL="1926184" indent="0" algn="ctr">
               <a:buNone/>
-              <a:defRPr sz="1600"/>
+              <a:defRPr sz="1348"/>
             </a:lvl6pPr>
-            <a:lvl7pPr marL="2742952" indent="0" algn="ctr">
+            <a:lvl7pPr marL="2311420" indent="0" algn="ctr">
               <a:buNone/>
-              <a:defRPr sz="1600"/>
+              <a:defRPr sz="1348"/>
             </a:lvl7pPr>
-            <a:lvl8pPr marL="3200111" indent="0" algn="ctr">
+            <a:lvl8pPr marL="2696657" indent="0" algn="ctr">
               <a:buNone/>
-              <a:defRPr sz="1600"/>
+              <a:defRPr sz="1348"/>
             </a:lvl8pPr>
-            <a:lvl9pPr marL="3657269" indent="0" algn="ctr">
+            <a:lvl9pPr marL="3081894" indent="0" algn="ctr">
               <a:buNone/>
-              <a:defRPr sz="1600"/>
+              <a:defRPr sz="1348"/>
             </a:lvl9pPr>
           </a:lstStyle>
           <a:p>
@@ -696,7 +834,7 @@
           <a:p>
             <a:fld id="{24188342-571A-6841-AC1D-E620118845AD}" type="datetimeFigureOut">
               <a:rPr lang="en-US" smtClean="0"/>
-              <a:t>1/10/2025</a:t>
+              <a:t>2/13/2025</a:t>
             </a:fld>
             <a:endParaRPr lang="en-US"/>
           </a:p>
@@ -747,7 +885,7 @@
     </p:spTree>
     <p:extLst>
       <p:ext uri="{BB962C8B-B14F-4D97-AF65-F5344CB8AC3E}">
-        <p14:creationId xmlns:p14="http://schemas.microsoft.com/office/powerpoint/2010/main" val="2111905461"/>
+        <p14:creationId xmlns:p14="http://schemas.microsoft.com/office/powerpoint/2010/main" val="3550372107"/>
       </p:ext>
     </p:extLst>
   </p:cSld>
@@ -866,7 +1004,7 @@
           <a:p>
             <a:fld id="{24188342-571A-6841-AC1D-E620118845AD}" type="datetimeFigureOut">
               <a:rPr lang="en-US" smtClean="0"/>
-              <a:t>1/10/2025</a:t>
+              <a:t>2/13/2025</a:t>
             </a:fld>
             <a:endParaRPr lang="en-US"/>
           </a:p>
@@ -917,7 +1055,7 @@
     </p:spTree>
     <p:extLst>
       <p:ext uri="{BB962C8B-B14F-4D97-AF65-F5344CB8AC3E}">
-        <p14:creationId xmlns:p14="http://schemas.microsoft.com/office/powerpoint/2010/main" val="1818923437"/>
+        <p14:creationId xmlns:p14="http://schemas.microsoft.com/office/powerpoint/2010/main" val="1497906945"/>
       </p:ext>
     </p:extLst>
   </p:cSld>
@@ -956,8 +1094,8 @@
         </p:nvSpPr>
         <p:spPr>
           <a:xfrm>
-            <a:off x="8724901" y="365125"/>
-            <a:ext cx="2628900" cy="5811838"/>
+            <a:off x="8724900" y="307651"/>
+            <a:ext cx="2628900" cy="4897012"/>
           </a:xfrm>
         </p:spPr>
         <p:txBody>
@@ -984,8 +1122,8 @@
         </p:nvSpPr>
         <p:spPr>
           <a:xfrm>
-            <a:off x="838201" y="365125"/>
-            <a:ext cx="7734300" cy="5811838"/>
+            <a:off x="838200" y="307651"/>
+            <a:ext cx="7734300" cy="4897012"/>
           </a:xfrm>
         </p:spPr>
         <p:txBody>
@@ -1046,7 +1184,7 @@
           <a:p>
             <a:fld id="{24188342-571A-6841-AC1D-E620118845AD}" type="datetimeFigureOut">
               <a:rPr lang="en-US" smtClean="0"/>
-              <a:t>1/10/2025</a:t>
+              <a:t>2/13/2025</a:t>
             </a:fld>
             <a:endParaRPr lang="en-US"/>
           </a:p>
@@ -1097,7 +1235,7 @@
     </p:spTree>
     <p:extLst>
       <p:ext uri="{BB962C8B-B14F-4D97-AF65-F5344CB8AC3E}">
-        <p14:creationId xmlns:p14="http://schemas.microsoft.com/office/powerpoint/2010/main" val="2682934031"/>
+        <p14:creationId xmlns:p14="http://schemas.microsoft.com/office/powerpoint/2010/main" val="1044670385"/>
       </p:ext>
     </p:extLst>
   </p:cSld>
@@ -1216,7 +1354,7 @@
           <a:p>
             <a:fld id="{24188342-571A-6841-AC1D-E620118845AD}" type="datetimeFigureOut">
               <a:rPr lang="en-US" smtClean="0"/>
-              <a:t>1/10/2025</a:t>
+              <a:t>2/13/2025</a:t>
             </a:fld>
             <a:endParaRPr lang="en-US"/>
           </a:p>
@@ -1267,7 +1405,7 @@
     </p:spTree>
     <p:extLst>
       <p:ext uri="{BB962C8B-B14F-4D97-AF65-F5344CB8AC3E}">
-        <p14:creationId xmlns:p14="http://schemas.microsoft.com/office/powerpoint/2010/main" val="228424716"/>
+        <p14:creationId xmlns:p14="http://schemas.microsoft.com/office/powerpoint/2010/main" val="1631246243"/>
       </p:ext>
     </p:extLst>
   </p:cSld>
@@ -1306,15 +1444,15 @@
         </p:nvSpPr>
         <p:spPr>
           <a:xfrm>
-            <a:off x="831851" y="1709740"/>
-            <a:ext cx="10515600" cy="2852737"/>
+            <a:off x="831850" y="1440613"/>
+            <a:ext cx="10515600" cy="2403695"/>
           </a:xfrm>
         </p:spPr>
         <p:txBody>
           <a:bodyPr anchor="b"/>
           <a:lstStyle>
             <a:lvl1pPr>
-              <a:defRPr sz="6000"/>
+              <a:defRPr sz="5056"/>
             </a:lvl1pPr>
           </a:lstStyle>
           <a:p>
@@ -1338,8 +1476,8 @@
         </p:nvSpPr>
         <p:spPr>
           <a:xfrm>
-            <a:off x="831851" y="4589465"/>
-            <a:ext cx="10515600" cy="1500187"/>
+            <a:off x="831850" y="3867048"/>
+            <a:ext cx="10515600" cy="1264046"/>
           </a:xfrm>
         </p:spPr>
         <p:txBody>
@@ -1347,15 +1485,17 @@
           <a:lstStyle>
             <a:lvl1pPr marL="0" indent="0">
               <a:buNone/>
-              <a:defRPr sz="2400">
+              <a:defRPr sz="2022">
                 <a:solidFill>
-                  <a:schemeClr val="tx1"/>
+                  <a:schemeClr val="tx1">
+                    <a:tint val="75000"/>
+                  </a:schemeClr>
                 </a:solidFill>
               </a:defRPr>
             </a:lvl1pPr>
-            <a:lvl2pPr marL="457159" indent="0">
+            <a:lvl2pPr marL="385237" indent="0">
               <a:buNone/>
-              <a:defRPr sz="2000">
+              <a:defRPr sz="1685">
                 <a:solidFill>
                   <a:schemeClr val="tx1">
                     <a:tint val="75000"/>
@@ -1363,9 +1503,9 @@
                 </a:solidFill>
               </a:defRPr>
             </a:lvl2pPr>
-            <a:lvl3pPr marL="914317" indent="0">
+            <a:lvl3pPr marL="770473" indent="0">
               <a:buNone/>
-              <a:defRPr sz="1800">
+              <a:defRPr sz="1517">
                 <a:solidFill>
                   <a:schemeClr val="tx1">
                     <a:tint val="75000"/>
@@ -1373,9 +1513,9 @@
                 </a:solidFill>
               </a:defRPr>
             </a:lvl3pPr>
-            <a:lvl4pPr marL="1371476" indent="0">
+            <a:lvl4pPr marL="1155710" indent="0">
               <a:buNone/>
-              <a:defRPr sz="1600">
+              <a:defRPr sz="1348">
                 <a:solidFill>
                   <a:schemeClr val="tx1">
                     <a:tint val="75000"/>
@@ -1383,9 +1523,9 @@
                 </a:solidFill>
               </a:defRPr>
             </a:lvl4pPr>
-            <a:lvl5pPr marL="1828635" indent="0">
+            <a:lvl5pPr marL="1540947" indent="0">
               <a:buNone/>
-              <a:defRPr sz="1600">
+              <a:defRPr sz="1348">
                 <a:solidFill>
                   <a:schemeClr val="tx1">
                     <a:tint val="75000"/>
@@ -1393,9 +1533,9 @@
                 </a:solidFill>
               </a:defRPr>
             </a:lvl5pPr>
-            <a:lvl6pPr marL="2285793" indent="0">
+            <a:lvl6pPr marL="1926184" indent="0">
               <a:buNone/>
-              <a:defRPr sz="1600">
+              <a:defRPr sz="1348">
                 <a:solidFill>
                   <a:schemeClr val="tx1">
                     <a:tint val="75000"/>
@@ -1403,9 +1543,9 @@
                 </a:solidFill>
               </a:defRPr>
             </a:lvl6pPr>
-            <a:lvl7pPr marL="2742952" indent="0">
+            <a:lvl7pPr marL="2311420" indent="0">
               <a:buNone/>
-              <a:defRPr sz="1600">
+              <a:defRPr sz="1348">
                 <a:solidFill>
                   <a:schemeClr val="tx1">
                     <a:tint val="75000"/>
@@ -1413,9 +1553,9 @@
                 </a:solidFill>
               </a:defRPr>
             </a:lvl7pPr>
-            <a:lvl8pPr marL="3200111" indent="0">
+            <a:lvl8pPr marL="2696657" indent="0">
               <a:buNone/>
-              <a:defRPr sz="1600">
+              <a:defRPr sz="1348">
                 <a:solidFill>
                   <a:schemeClr val="tx1">
                     <a:tint val="75000"/>
@@ -1423,9 +1563,9 @@
                 </a:solidFill>
               </a:defRPr>
             </a:lvl8pPr>
-            <a:lvl9pPr marL="3657269" indent="0">
+            <a:lvl9pPr marL="3081894" indent="0">
               <a:buNone/>
-              <a:defRPr sz="1600">
+              <a:defRPr sz="1348">
                 <a:solidFill>
                   <a:schemeClr val="tx1">
                     <a:tint val="75000"/>
@@ -1460,7 +1600,7 @@
           <a:p>
             <a:fld id="{24188342-571A-6841-AC1D-E620118845AD}" type="datetimeFigureOut">
               <a:rPr lang="en-US" smtClean="0"/>
-              <a:t>1/10/2025</a:t>
+              <a:t>2/13/2025</a:t>
             </a:fld>
             <a:endParaRPr lang="en-US"/>
           </a:p>
@@ -1511,7 +1651,7 @@
     </p:spTree>
     <p:extLst>
       <p:ext uri="{BB962C8B-B14F-4D97-AF65-F5344CB8AC3E}">
-        <p14:creationId xmlns:p14="http://schemas.microsoft.com/office/powerpoint/2010/main" val="2603255973"/>
+        <p14:creationId xmlns:p14="http://schemas.microsoft.com/office/powerpoint/2010/main" val="4025836762"/>
       </p:ext>
     </p:extLst>
   </p:cSld>
@@ -1573,8 +1713,8 @@
         </p:nvSpPr>
         <p:spPr>
           <a:xfrm>
-            <a:off x="838200" y="1825625"/>
-            <a:ext cx="5181600" cy="4351338"/>
+            <a:off x="838200" y="1538258"/>
+            <a:ext cx="5181600" cy="3666405"/>
           </a:xfrm>
         </p:spPr>
         <p:txBody>
@@ -1630,8 +1770,8 @@
         </p:nvSpPr>
         <p:spPr>
           <a:xfrm>
-            <a:off x="6172200" y="1825625"/>
-            <a:ext cx="5181600" cy="4351338"/>
+            <a:off x="6172200" y="1538258"/>
+            <a:ext cx="5181600" cy="3666405"/>
           </a:xfrm>
         </p:spPr>
         <p:txBody>
@@ -1692,7 +1832,7 @@
           <a:p>
             <a:fld id="{24188342-571A-6841-AC1D-E620118845AD}" type="datetimeFigureOut">
               <a:rPr lang="en-US" smtClean="0"/>
-              <a:t>1/10/2025</a:t>
+              <a:t>2/13/2025</a:t>
             </a:fld>
             <a:endParaRPr lang="en-US"/>
           </a:p>
@@ -1743,7 +1883,7 @@
     </p:spTree>
     <p:extLst>
       <p:ext uri="{BB962C8B-B14F-4D97-AF65-F5344CB8AC3E}">
-        <p14:creationId xmlns:p14="http://schemas.microsoft.com/office/powerpoint/2010/main" val="637156353"/>
+        <p14:creationId xmlns:p14="http://schemas.microsoft.com/office/powerpoint/2010/main" val="1886650388"/>
       </p:ext>
     </p:extLst>
   </p:cSld>
@@ -1782,8 +1922,8 @@
         </p:nvSpPr>
         <p:spPr>
           <a:xfrm>
-            <a:off x="839788" y="365127"/>
-            <a:ext cx="10515600" cy="1325563"/>
+            <a:off x="839788" y="307652"/>
+            <a:ext cx="10515600" cy="1116910"/>
           </a:xfrm>
         </p:spPr>
         <p:txBody>
@@ -1810,8 +1950,8 @@
         </p:nvSpPr>
         <p:spPr>
           <a:xfrm>
-            <a:off x="839789" y="1681163"/>
-            <a:ext cx="5157787" cy="823912"/>
+            <a:off x="839789" y="1416536"/>
+            <a:ext cx="5157787" cy="694222"/>
           </a:xfrm>
         </p:spPr>
         <p:txBody>
@@ -1819,39 +1959,39 @@
           <a:lstStyle>
             <a:lvl1pPr marL="0" indent="0">
               <a:buNone/>
-              <a:defRPr sz="2400" b="1"/>
+              <a:defRPr sz="2022" b="1"/>
             </a:lvl1pPr>
-            <a:lvl2pPr marL="457159" indent="0">
+            <a:lvl2pPr marL="385237" indent="0">
               <a:buNone/>
-              <a:defRPr sz="2000" b="1"/>
+              <a:defRPr sz="1685" b="1"/>
             </a:lvl2pPr>
-            <a:lvl3pPr marL="914317" indent="0">
+            <a:lvl3pPr marL="770473" indent="0">
               <a:buNone/>
-              <a:defRPr sz="1800" b="1"/>
+              <a:defRPr sz="1517" b="1"/>
             </a:lvl3pPr>
-            <a:lvl4pPr marL="1371476" indent="0">
+            <a:lvl4pPr marL="1155710" indent="0">
               <a:buNone/>
-              <a:defRPr sz="1600" b="1"/>
+              <a:defRPr sz="1348" b="1"/>
             </a:lvl4pPr>
-            <a:lvl5pPr marL="1828635" indent="0">
+            <a:lvl5pPr marL="1540947" indent="0">
               <a:buNone/>
-              <a:defRPr sz="1600" b="1"/>
+              <a:defRPr sz="1348" b="1"/>
             </a:lvl5pPr>
-            <a:lvl6pPr marL="2285793" indent="0">
+            <a:lvl6pPr marL="1926184" indent="0">
               <a:buNone/>
-              <a:defRPr sz="1600" b="1"/>
+              <a:defRPr sz="1348" b="1"/>
             </a:lvl6pPr>
-            <a:lvl7pPr marL="2742952" indent="0">
+            <a:lvl7pPr marL="2311420" indent="0">
               <a:buNone/>
-              <a:defRPr sz="1600" b="1"/>
+              <a:defRPr sz="1348" b="1"/>
             </a:lvl7pPr>
-            <a:lvl8pPr marL="3200111" indent="0">
+            <a:lvl8pPr marL="2696657" indent="0">
               <a:buNone/>
-              <a:defRPr sz="1600" b="1"/>
+              <a:defRPr sz="1348" b="1"/>
             </a:lvl8pPr>
-            <a:lvl9pPr marL="3657269" indent="0">
+            <a:lvl9pPr marL="3081894" indent="0">
               <a:buNone/>
-              <a:defRPr sz="1600" b="1"/>
+              <a:defRPr sz="1348" b="1"/>
             </a:lvl9pPr>
           </a:lstStyle>
           <a:p>
@@ -1875,8 +2015,8 @@
         </p:nvSpPr>
         <p:spPr>
           <a:xfrm>
-            <a:off x="839789" y="2505075"/>
-            <a:ext cx="5157787" cy="3684588"/>
+            <a:off x="839789" y="2110757"/>
+            <a:ext cx="5157787" cy="3104607"/>
           </a:xfrm>
         </p:spPr>
         <p:txBody>
@@ -1932,8 +2072,8 @@
         </p:nvSpPr>
         <p:spPr>
           <a:xfrm>
-            <a:off x="6172201" y="1681163"/>
-            <a:ext cx="5183188" cy="823912"/>
+            <a:off x="6172200" y="1416536"/>
+            <a:ext cx="5183188" cy="694222"/>
           </a:xfrm>
         </p:spPr>
         <p:txBody>
@@ -1941,39 +2081,39 @@
           <a:lstStyle>
             <a:lvl1pPr marL="0" indent="0">
               <a:buNone/>
-              <a:defRPr sz="2400" b="1"/>
+              <a:defRPr sz="2022" b="1"/>
             </a:lvl1pPr>
-            <a:lvl2pPr marL="457159" indent="0">
+            <a:lvl2pPr marL="385237" indent="0">
               <a:buNone/>
-              <a:defRPr sz="2000" b="1"/>
+              <a:defRPr sz="1685" b="1"/>
             </a:lvl2pPr>
-            <a:lvl3pPr marL="914317" indent="0">
+            <a:lvl3pPr marL="770473" indent="0">
               <a:buNone/>
-              <a:defRPr sz="1800" b="1"/>
+              <a:defRPr sz="1517" b="1"/>
             </a:lvl3pPr>
-            <a:lvl4pPr marL="1371476" indent="0">
+            <a:lvl4pPr marL="1155710" indent="0">
               <a:buNone/>
-              <a:defRPr sz="1600" b="1"/>
+              <a:defRPr sz="1348" b="1"/>
             </a:lvl4pPr>
-            <a:lvl5pPr marL="1828635" indent="0">
+            <a:lvl5pPr marL="1540947" indent="0">
               <a:buNone/>
-              <a:defRPr sz="1600" b="1"/>
+              <a:defRPr sz="1348" b="1"/>
             </a:lvl5pPr>
-            <a:lvl6pPr marL="2285793" indent="0">
+            <a:lvl6pPr marL="1926184" indent="0">
               <a:buNone/>
-              <a:defRPr sz="1600" b="1"/>
+              <a:defRPr sz="1348" b="1"/>
             </a:lvl6pPr>
-            <a:lvl7pPr marL="2742952" indent="0">
+            <a:lvl7pPr marL="2311420" indent="0">
               <a:buNone/>
-              <a:defRPr sz="1600" b="1"/>
+              <a:defRPr sz="1348" b="1"/>
             </a:lvl7pPr>
-            <a:lvl8pPr marL="3200111" indent="0">
+            <a:lvl8pPr marL="2696657" indent="0">
               <a:buNone/>
-              <a:defRPr sz="1600" b="1"/>
+              <a:defRPr sz="1348" b="1"/>
             </a:lvl8pPr>
-            <a:lvl9pPr marL="3657269" indent="0">
+            <a:lvl9pPr marL="3081894" indent="0">
               <a:buNone/>
-              <a:defRPr sz="1600" b="1"/>
+              <a:defRPr sz="1348" b="1"/>
             </a:lvl9pPr>
           </a:lstStyle>
           <a:p>
@@ -1997,8 +2137,8 @@
         </p:nvSpPr>
         <p:spPr>
           <a:xfrm>
-            <a:off x="6172201" y="2505075"/>
-            <a:ext cx="5183188" cy="3684588"/>
+            <a:off x="6172200" y="2110757"/>
+            <a:ext cx="5183188" cy="3104607"/>
           </a:xfrm>
         </p:spPr>
         <p:txBody>
@@ -2059,7 +2199,7 @@
           <a:p>
             <a:fld id="{24188342-571A-6841-AC1D-E620118845AD}" type="datetimeFigureOut">
               <a:rPr lang="en-US" smtClean="0"/>
-              <a:t>1/10/2025</a:t>
+              <a:t>2/13/2025</a:t>
             </a:fld>
             <a:endParaRPr lang="en-US"/>
           </a:p>
@@ -2110,7 +2250,7 @@
     </p:spTree>
     <p:extLst>
       <p:ext uri="{BB962C8B-B14F-4D97-AF65-F5344CB8AC3E}">
-        <p14:creationId xmlns:p14="http://schemas.microsoft.com/office/powerpoint/2010/main" val="3968608395"/>
+        <p14:creationId xmlns:p14="http://schemas.microsoft.com/office/powerpoint/2010/main" val="2201160320"/>
       </p:ext>
     </p:extLst>
   </p:cSld>
@@ -2177,7 +2317,7 @@
           <a:p>
             <a:fld id="{24188342-571A-6841-AC1D-E620118845AD}" type="datetimeFigureOut">
               <a:rPr lang="en-US" smtClean="0"/>
-              <a:t>1/10/2025</a:t>
+              <a:t>2/13/2025</a:t>
             </a:fld>
             <a:endParaRPr lang="en-US"/>
           </a:p>
@@ -2228,7 +2368,7 @@
     </p:spTree>
     <p:extLst>
       <p:ext uri="{BB962C8B-B14F-4D97-AF65-F5344CB8AC3E}">
-        <p14:creationId xmlns:p14="http://schemas.microsoft.com/office/powerpoint/2010/main" val="3039359752"/>
+        <p14:creationId xmlns:p14="http://schemas.microsoft.com/office/powerpoint/2010/main" val="1018981059"/>
       </p:ext>
     </p:extLst>
   </p:cSld>
@@ -2272,7 +2412,7 @@
           <a:p>
             <a:fld id="{24188342-571A-6841-AC1D-E620118845AD}" type="datetimeFigureOut">
               <a:rPr lang="en-US" smtClean="0"/>
-              <a:t>1/10/2025</a:t>
+              <a:t>2/13/2025</a:t>
             </a:fld>
             <a:endParaRPr lang="en-US"/>
           </a:p>
@@ -2323,7 +2463,7 @@
     </p:spTree>
     <p:extLst>
       <p:ext uri="{BB962C8B-B14F-4D97-AF65-F5344CB8AC3E}">
-        <p14:creationId xmlns:p14="http://schemas.microsoft.com/office/powerpoint/2010/main" val="1270024746"/>
+        <p14:creationId xmlns:p14="http://schemas.microsoft.com/office/powerpoint/2010/main" val="1573851526"/>
       </p:ext>
     </p:extLst>
   </p:cSld>
@@ -2362,15 +2502,15 @@
         </p:nvSpPr>
         <p:spPr>
           <a:xfrm>
-            <a:off x="839788" y="457200"/>
-            <a:ext cx="3932237" cy="1600200"/>
+            <a:off x="839789" y="385233"/>
+            <a:ext cx="3932237" cy="1348317"/>
           </a:xfrm>
         </p:spPr>
         <p:txBody>
           <a:bodyPr anchor="b"/>
           <a:lstStyle>
             <a:lvl1pPr>
-              <a:defRPr sz="3200"/>
+              <a:defRPr sz="2696"/>
             </a:lvl1pPr>
           </a:lstStyle>
           <a:p>
@@ -2394,39 +2534,39 @@
         </p:nvSpPr>
         <p:spPr>
           <a:xfrm>
-            <a:off x="5183188" y="987426"/>
-            <a:ext cx="6172200" cy="4873625"/>
+            <a:off x="5183188" y="831998"/>
+            <a:ext cx="6172200" cy="4106480"/>
           </a:xfrm>
         </p:spPr>
         <p:txBody>
           <a:bodyPr/>
           <a:lstStyle>
             <a:lvl1pPr>
-              <a:defRPr sz="3200"/>
+              <a:defRPr sz="2696"/>
             </a:lvl1pPr>
             <a:lvl2pPr>
-              <a:defRPr sz="2800"/>
+              <a:defRPr sz="2359"/>
             </a:lvl2pPr>
             <a:lvl3pPr>
-              <a:defRPr sz="2400"/>
+              <a:defRPr sz="2022"/>
             </a:lvl3pPr>
             <a:lvl4pPr>
-              <a:defRPr sz="2000"/>
+              <a:defRPr sz="1685"/>
             </a:lvl4pPr>
             <a:lvl5pPr>
-              <a:defRPr sz="2000"/>
+              <a:defRPr sz="1685"/>
             </a:lvl5pPr>
             <a:lvl6pPr>
-              <a:defRPr sz="2000"/>
+              <a:defRPr sz="1685"/>
             </a:lvl6pPr>
             <a:lvl7pPr>
-              <a:defRPr sz="2000"/>
+              <a:defRPr sz="1685"/>
             </a:lvl7pPr>
             <a:lvl8pPr>
-              <a:defRPr sz="2000"/>
+              <a:defRPr sz="1685"/>
             </a:lvl8pPr>
             <a:lvl9pPr>
-              <a:defRPr sz="2000"/>
+              <a:defRPr sz="1685"/>
             </a:lvl9pPr>
           </a:lstStyle>
           <a:p>
@@ -2479,8 +2619,8 @@
         </p:nvSpPr>
         <p:spPr>
           <a:xfrm>
-            <a:off x="839788" y="2057400"/>
-            <a:ext cx="3932237" cy="3811588"/>
+            <a:off x="839789" y="1733550"/>
+            <a:ext cx="3932237" cy="3211616"/>
           </a:xfrm>
         </p:spPr>
         <p:txBody>
@@ -2488,39 +2628,39 @@
           <a:lstStyle>
             <a:lvl1pPr marL="0" indent="0">
               <a:buNone/>
-              <a:defRPr sz="1600"/>
+              <a:defRPr sz="1348"/>
             </a:lvl1pPr>
-            <a:lvl2pPr marL="457159" indent="0">
+            <a:lvl2pPr marL="385237" indent="0">
               <a:buNone/>
-              <a:defRPr sz="1400"/>
+              <a:defRPr sz="1180"/>
             </a:lvl2pPr>
-            <a:lvl3pPr marL="914317" indent="0">
+            <a:lvl3pPr marL="770473" indent="0">
               <a:buNone/>
-              <a:defRPr sz="1200"/>
+              <a:defRPr sz="1011"/>
             </a:lvl3pPr>
-            <a:lvl4pPr marL="1371476" indent="0">
+            <a:lvl4pPr marL="1155710" indent="0">
               <a:buNone/>
-              <a:defRPr sz="1000"/>
+              <a:defRPr sz="843"/>
             </a:lvl4pPr>
-            <a:lvl5pPr marL="1828635" indent="0">
+            <a:lvl5pPr marL="1540947" indent="0">
               <a:buNone/>
-              <a:defRPr sz="1000"/>
+              <a:defRPr sz="843"/>
             </a:lvl5pPr>
-            <a:lvl6pPr marL="2285793" indent="0">
+            <a:lvl6pPr marL="1926184" indent="0">
               <a:buNone/>
-              <a:defRPr sz="1000"/>
+              <a:defRPr sz="843"/>
             </a:lvl6pPr>
-            <a:lvl7pPr marL="2742952" indent="0">
+            <a:lvl7pPr marL="2311420" indent="0">
               <a:buNone/>
-              <a:defRPr sz="1000"/>
+              <a:defRPr sz="843"/>
             </a:lvl7pPr>
-            <a:lvl8pPr marL="3200111" indent="0">
+            <a:lvl8pPr marL="2696657" indent="0">
               <a:buNone/>
-              <a:defRPr sz="1000"/>
+              <a:defRPr sz="843"/>
             </a:lvl8pPr>
-            <a:lvl9pPr marL="3657269" indent="0">
+            <a:lvl9pPr marL="3081894" indent="0">
               <a:buNone/>
-              <a:defRPr sz="1000"/>
+              <a:defRPr sz="843"/>
             </a:lvl9pPr>
           </a:lstStyle>
           <a:p>
@@ -2549,7 +2689,7 @@
           <a:p>
             <a:fld id="{24188342-571A-6841-AC1D-E620118845AD}" type="datetimeFigureOut">
               <a:rPr lang="en-US" smtClean="0"/>
-              <a:t>1/10/2025</a:t>
+              <a:t>2/13/2025</a:t>
             </a:fld>
             <a:endParaRPr lang="en-US"/>
           </a:p>
@@ -2600,7 +2740,7 @@
     </p:spTree>
     <p:extLst>
       <p:ext uri="{BB962C8B-B14F-4D97-AF65-F5344CB8AC3E}">
-        <p14:creationId xmlns:p14="http://schemas.microsoft.com/office/powerpoint/2010/main" val="2028814802"/>
+        <p14:creationId xmlns:p14="http://schemas.microsoft.com/office/powerpoint/2010/main" val="3809503845"/>
       </p:ext>
     </p:extLst>
   </p:cSld>
@@ -2639,15 +2779,15 @@
         </p:nvSpPr>
         <p:spPr>
           <a:xfrm>
-            <a:off x="839788" y="457200"/>
-            <a:ext cx="3932237" cy="1600200"/>
+            <a:off x="839789" y="385233"/>
+            <a:ext cx="3932237" cy="1348317"/>
           </a:xfrm>
         </p:spPr>
         <p:txBody>
           <a:bodyPr anchor="b"/>
           <a:lstStyle>
             <a:lvl1pPr>
-              <a:defRPr sz="3200"/>
+              <a:defRPr sz="2696"/>
             </a:lvl1pPr>
           </a:lstStyle>
           <a:p>
@@ -2671,8 +2811,8 @@
         </p:nvSpPr>
         <p:spPr>
           <a:xfrm>
-            <a:off x="5183188" y="987426"/>
-            <a:ext cx="6172200" cy="4873625"/>
+            <a:off x="5183188" y="831998"/>
+            <a:ext cx="6172200" cy="4106480"/>
           </a:xfrm>
         </p:spPr>
         <p:txBody>
@@ -2680,39 +2820,39 @@
           <a:lstStyle>
             <a:lvl1pPr marL="0" indent="0">
               <a:buNone/>
-              <a:defRPr sz="3200"/>
+              <a:defRPr sz="2696"/>
             </a:lvl1pPr>
-            <a:lvl2pPr marL="457159" indent="0">
+            <a:lvl2pPr marL="385237" indent="0">
               <a:buNone/>
-              <a:defRPr sz="2800"/>
+              <a:defRPr sz="2359"/>
             </a:lvl2pPr>
-            <a:lvl3pPr marL="914317" indent="0">
+            <a:lvl3pPr marL="770473" indent="0">
               <a:buNone/>
-              <a:defRPr sz="2400"/>
+              <a:defRPr sz="2022"/>
             </a:lvl3pPr>
-            <a:lvl4pPr marL="1371476" indent="0">
+            <a:lvl4pPr marL="1155710" indent="0">
               <a:buNone/>
-              <a:defRPr sz="2000"/>
+              <a:defRPr sz="1685"/>
             </a:lvl4pPr>
-            <a:lvl5pPr marL="1828635" indent="0">
+            <a:lvl5pPr marL="1540947" indent="0">
               <a:buNone/>
-              <a:defRPr sz="2000"/>
+              <a:defRPr sz="1685"/>
             </a:lvl5pPr>
-            <a:lvl6pPr marL="2285793" indent="0">
+            <a:lvl6pPr marL="1926184" indent="0">
               <a:buNone/>
-              <a:defRPr sz="2000"/>
+              <a:defRPr sz="1685"/>
             </a:lvl6pPr>
-            <a:lvl7pPr marL="2742952" indent="0">
+            <a:lvl7pPr marL="2311420" indent="0">
               <a:buNone/>
-              <a:defRPr sz="2000"/>
+              <a:defRPr sz="1685"/>
             </a:lvl7pPr>
-            <a:lvl8pPr marL="3200111" indent="0">
+            <a:lvl8pPr marL="2696657" indent="0">
               <a:buNone/>
-              <a:defRPr sz="2000"/>
+              <a:defRPr sz="1685"/>
             </a:lvl8pPr>
-            <a:lvl9pPr marL="3657269" indent="0">
+            <a:lvl9pPr marL="3081894" indent="0">
               <a:buNone/>
-              <a:defRPr sz="2000"/>
+              <a:defRPr sz="1685"/>
             </a:lvl9pPr>
           </a:lstStyle>
           <a:p>
@@ -2736,8 +2876,8 @@
         </p:nvSpPr>
         <p:spPr>
           <a:xfrm>
-            <a:off x="839788" y="2057400"/>
-            <a:ext cx="3932237" cy="3811588"/>
+            <a:off x="839789" y="1733550"/>
+            <a:ext cx="3932237" cy="3211616"/>
           </a:xfrm>
         </p:spPr>
         <p:txBody>
@@ -2745,39 +2885,39 @@
           <a:lstStyle>
             <a:lvl1pPr marL="0" indent="0">
               <a:buNone/>
-              <a:defRPr sz="1600"/>
+              <a:defRPr sz="1348"/>
             </a:lvl1pPr>
-            <a:lvl2pPr marL="457159" indent="0">
+            <a:lvl2pPr marL="385237" indent="0">
               <a:buNone/>
-              <a:defRPr sz="1400"/>
+              <a:defRPr sz="1180"/>
             </a:lvl2pPr>
-            <a:lvl3pPr marL="914317" indent="0">
+            <a:lvl3pPr marL="770473" indent="0">
               <a:buNone/>
-              <a:defRPr sz="1200"/>
+              <a:defRPr sz="1011"/>
             </a:lvl3pPr>
-            <a:lvl4pPr marL="1371476" indent="0">
+            <a:lvl4pPr marL="1155710" indent="0">
               <a:buNone/>
-              <a:defRPr sz="1000"/>
+              <a:defRPr sz="843"/>
             </a:lvl4pPr>
-            <a:lvl5pPr marL="1828635" indent="0">
+            <a:lvl5pPr marL="1540947" indent="0">
               <a:buNone/>
-              <a:defRPr sz="1000"/>
+              <a:defRPr sz="843"/>
             </a:lvl5pPr>
-            <a:lvl6pPr marL="2285793" indent="0">
+            <a:lvl6pPr marL="1926184" indent="0">
               <a:buNone/>
-              <a:defRPr sz="1000"/>
+              <a:defRPr sz="843"/>
             </a:lvl6pPr>
-            <a:lvl7pPr marL="2742952" indent="0">
+            <a:lvl7pPr marL="2311420" indent="0">
               <a:buNone/>
-              <a:defRPr sz="1000"/>
+              <a:defRPr sz="843"/>
             </a:lvl7pPr>
-            <a:lvl8pPr marL="3200111" indent="0">
+            <a:lvl8pPr marL="2696657" indent="0">
               <a:buNone/>
-              <a:defRPr sz="1000"/>
+              <a:defRPr sz="843"/>
             </a:lvl8pPr>
-            <a:lvl9pPr marL="3657269" indent="0">
+            <a:lvl9pPr marL="3081894" indent="0">
               <a:buNone/>
-              <a:defRPr sz="1000"/>
+              <a:defRPr sz="843"/>
             </a:lvl9pPr>
           </a:lstStyle>
           <a:p>
@@ -2806,7 +2946,7 @@
           <a:p>
             <a:fld id="{24188342-571A-6841-AC1D-E620118845AD}" type="datetimeFigureOut">
               <a:rPr lang="en-US" smtClean="0"/>
-              <a:t>1/10/2025</a:t>
+              <a:t>2/13/2025</a:t>
             </a:fld>
             <a:endParaRPr lang="en-US"/>
           </a:p>
@@ -2857,7 +2997,7 @@
     </p:spTree>
     <p:extLst>
       <p:ext uri="{BB962C8B-B14F-4D97-AF65-F5344CB8AC3E}">
-        <p14:creationId xmlns:p14="http://schemas.microsoft.com/office/powerpoint/2010/main" val="310661945"/>
+        <p14:creationId xmlns:p14="http://schemas.microsoft.com/office/powerpoint/2010/main" val="2819550144"/>
       </p:ext>
     </p:extLst>
   </p:cSld>
@@ -2901,8 +3041,8 @@
         </p:nvSpPr>
         <p:spPr>
           <a:xfrm>
-            <a:off x="838200" y="365127"/>
-            <a:ext cx="10515600" cy="1325563"/>
+            <a:off x="838200" y="307652"/>
+            <a:ext cx="10515600" cy="1116910"/>
           </a:xfrm>
           <a:prstGeom prst="rect">
             <a:avLst/>
@@ -2934,8 +3074,8 @@
         </p:nvSpPr>
         <p:spPr>
           <a:xfrm>
-            <a:off x="838200" y="1825625"/>
-            <a:ext cx="10515600" cy="4351338"/>
+            <a:off x="838200" y="1538258"/>
+            <a:ext cx="10515600" cy="3666405"/>
           </a:xfrm>
           <a:prstGeom prst="rect">
             <a:avLst/>
@@ -2996,8 +3136,8 @@
         </p:nvSpPr>
         <p:spPr>
           <a:xfrm>
-            <a:off x="838200" y="6356352"/>
-            <a:ext cx="2743200" cy="365125"/>
+            <a:off x="838200" y="5355814"/>
+            <a:ext cx="2743200" cy="307652"/>
           </a:xfrm>
           <a:prstGeom prst="rect">
             <a:avLst/>
@@ -3007,7 +3147,7 @@
           <a:bodyPr vert="horz" lIns="91440" tIns="45720" rIns="91440" bIns="45720" rtlCol="0" anchor="ctr"/>
           <a:lstStyle>
             <a:lvl1pPr algn="l">
-              <a:defRPr sz="1200">
+              <a:defRPr sz="1011">
                 <a:solidFill>
                   <a:schemeClr val="tx1">
                     <a:tint val="75000"/>
@@ -3019,7 +3159,7 @@
           <a:p>
             <a:fld id="{24188342-571A-6841-AC1D-E620118845AD}" type="datetimeFigureOut">
               <a:rPr lang="en-US" smtClean="0"/>
-              <a:t>1/10/2025</a:t>
+              <a:t>2/13/2025</a:t>
             </a:fld>
             <a:endParaRPr lang="en-US"/>
           </a:p>
@@ -3037,8 +3177,8 @@
         </p:nvSpPr>
         <p:spPr>
           <a:xfrm>
-            <a:off x="4038600" y="6356352"/>
-            <a:ext cx="4114800" cy="365125"/>
+            <a:off x="4038600" y="5355814"/>
+            <a:ext cx="4114800" cy="307652"/>
           </a:xfrm>
           <a:prstGeom prst="rect">
             <a:avLst/>
@@ -3048,7 +3188,7 @@
           <a:bodyPr vert="horz" lIns="91440" tIns="45720" rIns="91440" bIns="45720" rtlCol="0" anchor="ctr"/>
           <a:lstStyle>
             <a:lvl1pPr algn="ctr">
-              <a:defRPr sz="1200">
+              <a:defRPr sz="1011">
                 <a:solidFill>
                   <a:schemeClr val="tx1">
                     <a:tint val="75000"/>
@@ -3074,8 +3214,8 @@
         </p:nvSpPr>
         <p:spPr>
           <a:xfrm>
-            <a:off x="8610600" y="6356352"/>
-            <a:ext cx="2743200" cy="365125"/>
+            <a:off x="8610600" y="5355814"/>
+            <a:ext cx="2743200" cy="307652"/>
           </a:xfrm>
           <a:prstGeom prst="rect">
             <a:avLst/>
@@ -3085,7 +3225,7 @@
           <a:bodyPr vert="horz" lIns="91440" tIns="45720" rIns="91440" bIns="45720" rtlCol="0" anchor="ctr"/>
           <a:lstStyle>
             <a:lvl1pPr algn="r">
-              <a:defRPr sz="1200">
+              <a:defRPr sz="1011">
                 <a:solidFill>
                   <a:schemeClr val="tx1">
                     <a:tint val="75000"/>
@@ -3106,27 +3246,27 @@
     </p:spTree>
     <p:extLst>
       <p:ext uri="{BB962C8B-B14F-4D97-AF65-F5344CB8AC3E}">
-        <p14:creationId xmlns:p14="http://schemas.microsoft.com/office/powerpoint/2010/main" val="2494747386"/>
+        <p14:creationId xmlns:p14="http://schemas.microsoft.com/office/powerpoint/2010/main" val="1336088360"/>
       </p:ext>
     </p:extLst>
   </p:cSld>
   <p:clrMap bg1="lt1" tx1="dk1" bg2="lt2" tx2="dk2" accent1="accent1" accent2="accent2" accent3="accent3" accent4="accent4" accent5="accent5" accent6="accent6" hlink="hlink" folHlink="folHlink"/>
   <p:sldLayoutIdLst>
-    <p:sldLayoutId id="2147483685" r:id="rId1"/>
-    <p:sldLayoutId id="2147483686" r:id="rId2"/>
-    <p:sldLayoutId id="2147483687" r:id="rId3"/>
-    <p:sldLayoutId id="2147483688" r:id="rId4"/>
-    <p:sldLayoutId id="2147483689" r:id="rId5"/>
-    <p:sldLayoutId id="2147483690" r:id="rId6"/>
-    <p:sldLayoutId id="2147483691" r:id="rId7"/>
-    <p:sldLayoutId id="2147483692" r:id="rId8"/>
-    <p:sldLayoutId id="2147483693" r:id="rId9"/>
-    <p:sldLayoutId id="2147483694" r:id="rId10"/>
-    <p:sldLayoutId id="2147483695" r:id="rId11"/>
+    <p:sldLayoutId id="2147483697" r:id="rId1"/>
+    <p:sldLayoutId id="2147483698" r:id="rId2"/>
+    <p:sldLayoutId id="2147483699" r:id="rId3"/>
+    <p:sldLayoutId id="2147483700" r:id="rId4"/>
+    <p:sldLayoutId id="2147483701" r:id="rId5"/>
+    <p:sldLayoutId id="2147483702" r:id="rId6"/>
+    <p:sldLayoutId id="2147483703" r:id="rId7"/>
+    <p:sldLayoutId id="2147483704" r:id="rId8"/>
+    <p:sldLayoutId id="2147483705" r:id="rId9"/>
+    <p:sldLayoutId id="2147483706" r:id="rId10"/>
+    <p:sldLayoutId id="2147483707" r:id="rId11"/>
   </p:sldLayoutIdLst>
   <p:txStyles>
     <p:titleStyle>
-      <a:lvl1pPr algn="l" defTabSz="914317" rtl="0" eaLnBrk="1" latinLnBrk="0" hangingPunct="1">
+      <a:lvl1pPr algn="l" defTabSz="770473" rtl="0" eaLnBrk="1" latinLnBrk="0" hangingPunct="1">
         <a:lnSpc>
           <a:spcPct val="90000"/>
         </a:lnSpc>
@@ -3134,7 +3274,7 @@
           <a:spcPct val="0"/>
         </a:spcBef>
         <a:buNone/>
-        <a:defRPr sz="4400" kern="1200">
+        <a:defRPr sz="3707" kern="1200">
           <a:solidFill>
             <a:schemeClr val="tx1"/>
           </a:solidFill>
@@ -3145,16 +3285,16 @@
       </a:lvl1pPr>
     </p:titleStyle>
     <p:bodyStyle>
-      <a:lvl1pPr marL="228579" indent="-228579" algn="l" defTabSz="914317" rtl="0" eaLnBrk="1" latinLnBrk="0" hangingPunct="1">
+      <a:lvl1pPr marL="192618" indent="-192618" algn="l" defTabSz="770473" rtl="0" eaLnBrk="1" latinLnBrk="0" hangingPunct="1">
         <a:lnSpc>
           <a:spcPct val="90000"/>
         </a:lnSpc>
         <a:spcBef>
-          <a:spcPts val="1000"/>
+          <a:spcPts val="843"/>
         </a:spcBef>
         <a:buFont typeface="Arial" panose="020B0604020202020204" pitchFamily="34" charset="0"/>
         <a:buChar char="•"/>
-        <a:defRPr sz="2800" kern="1200">
+        <a:defRPr sz="2359" kern="1200">
           <a:solidFill>
             <a:schemeClr val="tx1"/>
           </a:solidFill>
@@ -3163,16 +3303,16 @@
           <a:cs typeface="+mn-cs"/>
         </a:defRPr>
       </a:lvl1pPr>
-      <a:lvl2pPr marL="685738" indent="-228579" algn="l" defTabSz="914317" rtl="0" eaLnBrk="1" latinLnBrk="0" hangingPunct="1">
+      <a:lvl2pPr marL="577855" indent="-192618" algn="l" defTabSz="770473" rtl="0" eaLnBrk="1" latinLnBrk="0" hangingPunct="1">
         <a:lnSpc>
           <a:spcPct val="90000"/>
         </a:lnSpc>
         <a:spcBef>
-          <a:spcPts val="500"/>
+          <a:spcPts val="421"/>
         </a:spcBef>
         <a:buFont typeface="Arial" panose="020B0604020202020204" pitchFamily="34" charset="0"/>
         <a:buChar char="•"/>
-        <a:defRPr sz="2400" kern="1200">
+        <a:defRPr sz="2022" kern="1200">
           <a:solidFill>
             <a:schemeClr val="tx1"/>
           </a:solidFill>
@@ -3181,16 +3321,16 @@
           <a:cs typeface="+mn-cs"/>
         </a:defRPr>
       </a:lvl2pPr>
-      <a:lvl3pPr marL="1142897" indent="-228579" algn="l" defTabSz="914317" rtl="0" eaLnBrk="1" latinLnBrk="0" hangingPunct="1">
+      <a:lvl3pPr marL="963092" indent="-192618" algn="l" defTabSz="770473" rtl="0" eaLnBrk="1" latinLnBrk="0" hangingPunct="1">
         <a:lnSpc>
           <a:spcPct val="90000"/>
         </a:lnSpc>
         <a:spcBef>
-          <a:spcPts val="500"/>
+          <a:spcPts val="421"/>
         </a:spcBef>
         <a:buFont typeface="Arial" panose="020B0604020202020204" pitchFamily="34" charset="0"/>
         <a:buChar char="•"/>
-        <a:defRPr sz="2000" kern="1200">
+        <a:defRPr sz="1685" kern="1200">
           <a:solidFill>
             <a:schemeClr val="tx1"/>
           </a:solidFill>
@@ -3199,16 +3339,16 @@
           <a:cs typeface="+mn-cs"/>
         </a:defRPr>
       </a:lvl3pPr>
-      <a:lvl4pPr marL="1600055" indent="-228579" algn="l" defTabSz="914317" rtl="0" eaLnBrk="1" latinLnBrk="0" hangingPunct="1">
+      <a:lvl4pPr marL="1348329" indent="-192618" algn="l" defTabSz="770473" rtl="0" eaLnBrk="1" latinLnBrk="0" hangingPunct="1">
         <a:lnSpc>
           <a:spcPct val="90000"/>
         </a:lnSpc>
         <a:spcBef>
-          <a:spcPts val="500"/>
+          <a:spcPts val="421"/>
         </a:spcBef>
         <a:buFont typeface="Arial" panose="020B0604020202020204" pitchFamily="34" charset="0"/>
         <a:buChar char="•"/>
-        <a:defRPr sz="1800" kern="1200">
+        <a:defRPr sz="1517" kern="1200">
           <a:solidFill>
             <a:schemeClr val="tx1"/>
           </a:solidFill>
@@ -3217,16 +3357,16 @@
           <a:cs typeface="+mn-cs"/>
         </a:defRPr>
       </a:lvl4pPr>
-      <a:lvl5pPr marL="2057214" indent="-228579" algn="l" defTabSz="914317" rtl="0" eaLnBrk="1" latinLnBrk="0" hangingPunct="1">
+      <a:lvl5pPr marL="1733565" indent="-192618" algn="l" defTabSz="770473" rtl="0" eaLnBrk="1" latinLnBrk="0" hangingPunct="1">
         <a:lnSpc>
           <a:spcPct val="90000"/>
         </a:lnSpc>
         <a:spcBef>
-          <a:spcPts val="500"/>
+          <a:spcPts val="421"/>
         </a:spcBef>
         <a:buFont typeface="Arial" panose="020B0604020202020204" pitchFamily="34" charset="0"/>
         <a:buChar char="•"/>
-        <a:defRPr sz="1800" kern="1200">
+        <a:defRPr sz="1517" kern="1200">
           <a:solidFill>
             <a:schemeClr val="tx1"/>
           </a:solidFill>
@@ -3235,16 +3375,16 @@
           <a:cs typeface="+mn-cs"/>
         </a:defRPr>
       </a:lvl5pPr>
-      <a:lvl6pPr marL="2514373" indent="-228579" algn="l" defTabSz="914317" rtl="0" eaLnBrk="1" latinLnBrk="0" hangingPunct="1">
+      <a:lvl6pPr marL="2118802" indent="-192618" algn="l" defTabSz="770473" rtl="0" eaLnBrk="1" latinLnBrk="0" hangingPunct="1">
         <a:lnSpc>
           <a:spcPct val="90000"/>
         </a:lnSpc>
         <a:spcBef>
-          <a:spcPts val="500"/>
+          <a:spcPts val="421"/>
         </a:spcBef>
         <a:buFont typeface="Arial" panose="020B0604020202020204" pitchFamily="34" charset="0"/>
         <a:buChar char="•"/>
-        <a:defRPr sz="1800" kern="1200">
+        <a:defRPr sz="1517" kern="1200">
           <a:solidFill>
             <a:schemeClr val="tx1"/>
           </a:solidFill>
@@ -3253,16 +3393,16 @@
           <a:cs typeface="+mn-cs"/>
         </a:defRPr>
       </a:lvl6pPr>
-      <a:lvl7pPr marL="2971531" indent="-228579" algn="l" defTabSz="914317" rtl="0" eaLnBrk="1" latinLnBrk="0" hangingPunct="1">
+      <a:lvl7pPr marL="2504039" indent="-192618" algn="l" defTabSz="770473" rtl="0" eaLnBrk="1" latinLnBrk="0" hangingPunct="1">
         <a:lnSpc>
           <a:spcPct val="90000"/>
         </a:lnSpc>
         <a:spcBef>
-          <a:spcPts val="500"/>
+          <a:spcPts val="421"/>
         </a:spcBef>
         <a:buFont typeface="Arial" panose="020B0604020202020204" pitchFamily="34" charset="0"/>
         <a:buChar char="•"/>
-        <a:defRPr sz="1800" kern="1200">
+        <a:defRPr sz="1517" kern="1200">
           <a:solidFill>
             <a:schemeClr val="tx1"/>
           </a:solidFill>
@@ -3271,16 +3411,16 @@
           <a:cs typeface="+mn-cs"/>
         </a:defRPr>
       </a:lvl7pPr>
-      <a:lvl8pPr marL="3428690" indent="-228579" algn="l" defTabSz="914317" rtl="0" eaLnBrk="1" latinLnBrk="0" hangingPunct="1">
+      <a:lvl8pPr marL="2889275" indent="-192618" algn="l" defTabSz="770473" rtl="0" eaLnBrk="1" latinLnBrk="0" hangingPunct="1">
         <a:lnSpc>
           <a:spcPct val="90000"/>
         </a:lnSpc>
         <a:spcBef>
-          <a:spcPts val="500"/>
+          <a:spcPts val="421"/>
         </a:spcBef>
         <a:buFont typeface="Arial" panose="020B0604020202020204" pitchFamily="34" charset="0"/>
         <a:buChar char="•"/>
-        <a:defRPr sz="1800" kern="1200">
+        <a:defRPr sz="1517" kern="1200">
           <a:solidFill>
             <a:schemeClr val="tx1"/>
           </a:solidFill>
@@ -3289,16 +3429,16 @@
           <a:cs typeface="+mn-cs"/>
         </a:defRPr>
       </a:lvl8pPr>
-      <a:lvl9pPr marL="3885848" indent="-228579" algn="l" defTabSz="914317" rtl="0" eaLnBrk="1" latinLnBrk="0" hangingPunct="1">
+      <a:lvl9pPr marL="3274512" indent="-192618" algn="l" defTabSz="770473" rtl="0" eaLnBrk="1" latinLnBrk="0" hangingPunct="1">
         <a:lnSpc>
           <a:spcPct val="90000"/>
         </a:lnSpc>
         <a:spcBef>
-          <a:spcPts val="500"/>
+          <a:spcPts val="421"/>
         </a:spcBef>
         <a:buFont typeface="Arial" panose="020B0604020202020204" pitchFamily="34" charset="0"/>
         <a:buChar char="•"/>
-        <a:defRPr sz="1800" kern="1200">
+        <a:defRPr sz="1517" kern="1200">
           <a:solidFill>
             <a:schemeClr val="tx1"/>
           </a:solidFill>
@@ -3312,8 +3452,8 @@
       <a:defPPr>
         <a:defRPr lang="en-US"/>
       </a:defPPr>
-      <a:lvl1pPr marL="0" algn="l" defTabSz="914317" rtl="0" eaLnBrk="1" latinLnBrk="0" hangingPunct="1">
-        <a:defRPr sz="1800" kern="1200">
+      <a:lvl1pPr marL="0" algn="l" defTabSz="770473" rtl="0" eaLnBrk="1" latinLnBrk="0" hangingPunct="1">
+        <a:defRPr sz="1517" kern="1200">
           <a:solidFill>
             <a:schemeClr val="tx1"/>
           </a:solidFill>
@@ -3322,8 +3462,8 @@
           <a:cs typeface="+mn-cs"/>
         </a:defRPr>
       </a:lvl1pPr>
-      <a:lvl2pPr marL="457159" algn="l" defTabSz="914317" rtl="0" eaLnBrk="1" latinLnBrk="0" hangingPunct="1">
-        <a:defRPr sz="1800" kern="1200">
+      <a:lvl2pPr marL="385237" algn="l" defTabSz="770473" rtl="0" eaLnBrk="1" latinLnBrk="0" hangingPunct="1">
+        <a:defRPr sz="1517" kern="1200">
           <a:solidFill>
             <a:schemeClr val="tx1"/>
           </a:solidFill>
@@ -3332,8 +3472,8 @@
           <a:cs typeface="+mn-cs"/>
         </a:defRPr>
       </a:lvl2pPr>
-      <a:lvl3pPr marL="914317" algn="l" defTabSz="914317" rtl="0" eaLnBrk="1" latinLnBrk="0" hangingPunct="1">
-        <a:defRPr sz="1800" kern="1200">
+      <a:lvl3pPr marL="770473" algn="l" defTabSz="770473" rtl="0" eaLnBrk="1" latinLnBrk="0" hangingPunct="1">
+        <a:defRPr sz="1517" kern="1200">
           <a:solidFill>
             <a:schemeClr val="tx1"/>
           </a:solidFill>
@@ -3342,8 +3482,8 @@
           <a:cs typeface="+mn-cs"/>
         </a:defRPr>
       </a:lvl3pPr>
-      <a:lvl4pPr marL="1371476" algn="l" defTabSz="914317" rtl="0" eaLnBrk="1" latinLnBrk="0" hangingPunct="1">
-        <a:defRPr sz="1800" kern="1200">
+      <a:lvl4pPr marL="1155710" algn="l" defTabSz="770473" rtl="0" eaLnBrk="1" latinLnBrk="0" hangingPunct="1">
+        <a:defRPr sz="1517" kern="1200">
           <a:solidFill>
             <a:schemeClr val="tx1"/>
           </a:solidFill>
@@ -3352,8 +3492,8 @@
           <a:cs typeface="+mn-cs"/>
         </a:defRPr>
       </a:lvl4pPr>
-      <a:lvl5pPr marL="1828635" algn="l" defTabSz="914317" rtl="0" eaLnBrk="1" latinLnBrk="0" hangingPunct="1">
-        <a:defRPr sz="1800" kern="1200">
+      <a:lvl5pPr marL="1540947" algn="l" defTabSz="770473" rtl="0" eaLnBrk="1" latinLnBrk="0" hangingPunct="1">
+        <a:defRPr sz="1517" kern="1200">
           <a:solidFill>
             <a:schemeClr val="tx1"/>
           </a:solidFill>
@@ -3362,8 +3502,8 @@
           <a:cs typeface="+mn-cs"/>
         </a:defRPr>
       </a:lvl5pPr>
-      <a:lvl6pPr marL="2285793" algn="l" defTabSz="914317" rtl="0" eaLnBrk="1" latinLnBrk="0" hangingPunct="1">
-        <a:defRPr sz="1800" kern="1200">
+      <a:lvl6pPr marL="1926184" algn="l" defTabSz="770473" rtl="0" eaLnBrk="1" latinLnBrk="0" hangingPunct="1">
+        <a:defRPr sz="1517" kern="1200">
           <a:solidFill>
             <a:schemeClr val="tx1"/>
           </a:solidFill>
@@ -3372,8 +3512,8 @@
           <a:cs typeface="+mn-cs"/>
         </a:defRPr>
       </a:lvl6pPr>
-      <a:lvl7pPr marL="2742952" algn="l" defTabSz="914317" rtl="0" eaLnBrk="1" latinLnBrk="0" hangingPunct="1">
-        <a:defRPr sz="1800" kern="1200">
+      <a:lvl7pPr marL="2311420" algn="l" defTabSz="770473" rtl="0" eaLnBrk="1" latinLnBrk="0" hangingPunct="1">
+        <a:defRPr sz="1517" kern="1200">
           <a:solidFill>
             <a:schemeClr val="tx1"/>
           </a:solidFill>
@@ -3382,8 +3522,8 @@
           <a:cs typeface="+mn-cs"/>
         </a:defRPr>
       </a:lvl7pPr>
-      <a:lvl8pPr marL="3200111" algn="l" defTabSz="914317" rtl="0" eaLnBrk="1" latinLnBrk="0" hangingPunct="1">
-        <a:defRPr sz="1800" kern="1200">
+      <a:lvl8pPr marL="2696657" algn="l" defTabSz="770473" rtl="0" eaLnBrk="1" latinLnBrk="0" hangingPunct="1">
+        <a:defRPr sz="1517" kern="1200">
           <a:solidFill>
             <a:schemeClr val="tx1"/>
           </a:solidFill>
@@ -3392,8 +3532,8 @@
           <a:cs typeface="+mn-cs"/>
         </a:defRPr>
       </a:lvl8pPr>
-      <a:lvl9pPr marL="3657269" algn="l" defTabSz="914317" rtl="0" eaLnBrk="1" latinLnBrk="0" hangingPunct="1">
-        <a:defRPr sz="1800" kern="1200">
+      <a:lvl9pPr marL="3081894" algn="l" defTabSz="770473" rtl="0" eaLnBrk="1" latinLnBrk="0" hangingPunct="1">
+        <a:defRPr sz="1517" kern="1200">
           <a:solidFill>
             <a:schemeClr val="tx1"/>
           </a:solidFill>
@@ -3412,7 +3552,13 @@
   <p:cSld>
     <p:spTree>
       <p:nvGrpSpPr>
-        <p:cNvPr id="1" name=""/>
+        <p:cNvPr id="1" name="">
+          <a:extLst>
+            <a:ext uri="{FF2B5EF4-FFF2-40B4-BE49-F238E27FC236}">
+              <a16:creationId xmlns:a16="http://schemas.microsoft.com/office/drawing/2014/main" id="{67CB52EB-6203-D0E1-63FA-9680379EEA6E}"/>
+            </a:ext>
+          </a:extLst>
+        </p:cNvPr>
         <p:cNvGrpSpPr/>
         <p:nvPr/>
       </p:nvGrpSpPr>
@@ -3429,7 +3575,7 @@
           <p:cNvPr id="2052" name="Picture 4">
             <a:extLst>
               <a:ext uri="{FF2B5EF4-FFF2-40B4-BE49-F238E27FC236}">
-                <a16:creationId xmlns:a16="http://schemas.microsoft.com/office/drawing/2014/main" id="{E7DF1E81-FB70-3B22-7B22-D2B0804AB39E}"/>
+                <a16:creationId xmlns:a16="http://schemas.microsoft.com/office/drawing/2014/main" id="{792E0489-3341-1B24-19EE-C56379901B2B}"/>
               </a:ext>
             </a:extLst>
           </p:cNvPr>
@@ -3453,7 +3599,7 @@
         </p:blipFill>
         <p:spPr bwMode="auto">
           <a:xfrm>
-            <a:off x="121476" y="1260782"/>
+            <a:off x="140526" y="1279833"/>
             <a:ext cx="5448004" cy="2888577"/>
           </a:xfrm>
           <a:prstGeom prst="rect">
@@ -3476,7 +3622,7 @@
           <p:cNvPr id="25" name="Rechteck 24">
             <a:extLst>
               <a:ext uri="{FF2B5EF4-FFF2-40B4-BE49-F238E27FC236}">
-                <a16:creationId xmlns:a16="http://schemas.microsoft.com/office/drawing/2014/main" id="{C1F0D0F5-A887-4FE1-B870-3E38E42ECDB7}"/>
+                <a16:creationId xmlns:a16="http://schemas.microsoft.com/office/drawing/2014/main" id="{D9779357-FFFB-8945-5F94-D5E7E02BB86C}"/>
               </a:ext>
             </a:extLst>
           </p:cNvPr>
@@ -3485,17 +3631,25 @@
         </p:nvSpPr>
         <p:spPr>
           <a:xfrm>
-            <a:off x="78291" y="4149359"/>
-            <a:ext cx="1602577" cy="520315"/>
+            <a:off x="236487" y="4201136"/>
+            <a:ext cx="1399153" cy="393132"/>
           </a:xfrm>
           <a:prstGeom prst="rect">
             <a:avLst/>
           </a:prstGeom>
           <a:solidFill>
             <a:schemeClr val="bg1">
-              <a:lumMod val="65000"/>
+              <a:lumMod val="75000"/>
             </a:schemeClr>
           </a:solidFill>
+          <a:ln w="22225">
+            <a:solidFill>
+              <a:schemeClr val="accent3">
+                <a:shade val="50000"/>
+                <a:alpha val="91845"/>
+              </a:schemeClr>
+            </a:solidFill>
+          </a:ln>
         </p:spPr>
         <p:style>
           <a:lnRef idx="2">
@@ -3519,11 +3673,12 @@
           <a:p>
             <a:pPr algn="ctr"/>
             <a:r>
-              <a:rPr lang="en-US" sz="1600" dirty="0">
-                <a:latin typeface="Times New Roman" panose="02020603050405020304" pitchFamily="18" charset="0"/>
-                <a:cs typeface="Times New Roman" panose="02020603050405020304" pitchFamily="18" charset="0"/>
+              <a:rPr lang="en-US" sz="1265" b="1" dirty="0">
+                <a:solidFill>
+                  <a:schemeClr val="tx1"/>
+                </a:solidFill>
               </a:rPr>
-              <a:t>Loss of therapist jobs</a:t>
+              <a:t>loss of therapist jobs</a:t>
             </a:r>
           </a:p>
         </p:txBody>
@@ -3533,7 +3688,7 @@
           <p:cNvPr id="26" name="Rechteck 25">
             <a:extLst>
               <a:ext uri="{FF2B5EF4-FFF2-40B4-BE49-F238E27FC236}">
-                <a16:creationId xmlns:a16="http://schemas.microsoft.com/office/drawing/2014/main" id="{8F6E70D2-CF2A-47AF-B118-0DB9B14308B4}"/>
+                <a16:creationId xmlns:a16="http://schemas.microsoft.com/office/drawing/2014/main" id="{37E15021-B28C-0411-DC20-7FEB7FB27DBB}"/>
               </a:ext>
             </a:extLst>
           </p:cNvPr>
@@ -3542,7 +3697,7 @@
         </p:nvSpPr>
         <p:spPr>
           <a:xfrm>
-            <a:off x="1006184" y="3297640"/>
+            <a:off x="1025235" y="3316690"/>
             <a:ext cx="623299" cy="393132"/>
           </a:xfrm>
           <a:prstGeom prst="rect">
@@ -3551,9 +3706,8 @@
           <a:noFill/>
           <a:ln w="38100">
             <a:solidFill>
-              <a:schemeClr val="accent2">
-                <a:lumMod val="60000"/>
-                <a:lumOff val="40000"/>
+              <a:schemeClr val="bg1">
+                <a:lumMod val="65000"/>
               </a:schemeClr>
             </a:solidFill>
             <a:prstDash val="dash"/>
@@ -3580,10 +3734,7 @@
           <a:lstStyle/>
           <a:p>
             <a:pPr algn="ctr"/>
-            <a:endParaRPr lang="en-US" sz="4000">
-              <a:latin typeface="Times New Roman" panose="02020603050405020304" pitchFamily="18" charset="0"/>
-              <a:cs typeface="Times New Roman" panose="02020603050405020304" pitchFamily="18" charset="0"/>
-            </a:endParaRPr>
+            <a:endParaRPr lang="en-US" sz="3470"/>
           </a:p>
         </p:txBody>
       </p:sp>
@@ -3592,30 +3743,28 @@
           <p:cNvPr id="27" name="Gerader Verbinder 26">
             <a:extLst>
               <a:ext uri="{FF2B5EF4-FFF2-40B4-BE49-F238E27FC236}">
-                <a16:creationId xmlns:a16="http://schemas.microsoft.com/office/drawing/2014/main" id="{A2B90D92-55AF-4932-9C7E-F2E0375FA0C3}"/>
+                <a16:creationId xmlns:a16="http://schemas.microsoft.com/office/drawing/2014/main" id="{0690819B-E03C-9127-A25C-F2FE11140D09}"/>
               </a:ext>
             </a:extLst>
           </p:cNvPr>
           <p:cNvCxnSpPr>
             <a:cxnSpLocks/>
             <a:stCxn id="25" idx="0"/>
-            <a:endCxn id="26" idx="2"/>
           </p:cNvCxnSpPr>
           <p:nvPr/>
         </p:nvCxnSpPr>
         <p:spPr>
           <a:xfrm flipV="1">
-            <a:off x="879580" y="3690772"/>
-            <a:ext cx="438254" cy="458587"/>
+            <a:off x="936063" y="3709822"/>
+            <a:ext cx="287206" cy="491314"/>
           </a:xfrm>
           <a:prstGeom prst="line">
             <a:avLst/>
           </a:prstGeom>
           <a:ln w="28575">
             <a:solidFill>
-              <a:schemeClr val="accent2">
-                <a:lumMod val="60000"/>
-                <a:lumOff val="40000"/>
+              <a:schemeClr val="bg1">
+                <a:lumMod val="65000"/>
               </a:schemeClr>
             </a:solidFill>
           </a:ln>
@@ -3640,7 +3789,7 @@
           <p:cNvPr id="36" name="Rechteck 35">
             <a:extLst>
               <a:ext uri="{FF2B5EF4-FFF2-40B4-BE49-F238E27FC236}">
-                <a16:creationId xmlns:a16="http://schemas.microsoft.com/office/drawing/2014/main" id="{DB731552-24C7-48D2-83A7-776F5D376A25}"/>
+                <a16:creationId xmlns:a16="http://schemas.microsoft.com/office/drawing/2014/main" id="{0E6A2900-93E7-1137-B174-AB1D27112D1E}"/>
               </a:ext>
             </a:extLst>
           </p:cNvPr>
@@ -3649,7 +3798,7 @@
         </p:nvSpPr>
         <p:spPr>
           <a:xfrm>
-            <a:off x="6562287" y="1110838"/>
+            <a:off x="6581338" y="1129888"/>
             <a:ext cx="1399153" cy="393132"/>
           </a:xfrm>
           <a:prstGeom prst="rect">
@@ -3684,10 +3833,7 @@
           <a:p>
             <a:pPr algn="ctr"/>
             <a:r>
-              <a:rPr lang="en-US" sz="4000" dirty="0">
-                <a:latin typeface="Times New Roman" panose="02020603050405020304" pitchFamily="18" charset="0"/>
-                <a:cs typeface="Times New Roman" panose="02020603050405020304" pitchFamily="18" charset="0"/>
-              </a:rPr>
+              <a:rPr lang="en-US" sz="3470" dirty="0"/>
               <a:t>xxx</a:t>
             </a:r>
           </a:p>
@@ -3698,7 +3844,7 @@
           <p:cNvPr id="37" name="Rechteck 36">
             <a:extLst>
               <a:ext uri="{FF2B5EF4-FFF2-40B4-BE49-F238E27FC236}">
-                <a16:creationId xmlns:a16="http://schemas.microsoft.com/office/drawing/2014/main" id="{BF8F447D-0FEB-4AC7-9F41-9BF546F754B8}"/>
+                <a16:creationId xmlns:a16="http://schemas.microsoft.com/office/drawing/2014/main" id="{A4338569-9BF2-B011-7418-4A12E6C9253C}"/>
               </a:ext>
             </a:extLst>
           </p:cNvPr>
@@ -3707,7 +3853,7 @@
         </p:nvSpPr>
         <p:spPr>
           <a:xfrm>
-            <a:off x="8023374" y="1763550"/>
+            <a:off x="8042424" y="1782601"/>
             <a:ext cx="540216" cy="403733"/>
           </a:xfrm>
           <a:prstGeom prst="rect">
@@ -3745,10 +3891,7 @@
           <a:lstStyle/>
           <a:p>
             <a:pPr algn="ctr"/>
-            <a:endParaRPr lang="en-US" sz="4000">
-              <a:latin typeface="Times New Roman" panose="02020603050405020304" pitchFamily="18" charset="0"/>
-              <a:cs typeface="Times New Roman" panose="02020603050405020304" pitchFamily="18" charset="0"/>
-            </a:endParaRPr>
+            <a:endParaRPr lang="en-US" sz="3470"/>
           </a:p>
         </p:txBody>
       </p:sp>
@@ -3757,7 +3900,7 @@
           <p:cNvPr id="38" name="Gerader Verbinder 37">
             <a:extLst>
               <a:ext uri="{FF2B5EF4-FFF2-40B4-BE49-F238E27FC236}">
-                <a16:creationId xmlns:a16="http://schemas.microsoft.com/office/drawing/2014/main" id="{FAC36FAD-1E99-4F98-844E-2C873374118E}"/>
+                <a16:creationId xmlns:a16="http://schemas.microsoft.com/office/drawing/2014/main" id="{D71658CF-488F-CFAF-CFCE-F284B51CD009}"/>
               </a:ext>
             </a:extLst>
           </p:cNvPr>
@@ -3768,7 +3911,7 @@
         </p:nvCxnSpPr>
         <p:spPr>
           <a:xfrm flipH="1" flipV="1">
-            <a:off x="7435061" y="1503969"/>
+            <a:off x="7454112" y="1523020"/>
             <a:ext cx="588313" cy="295189"/>
           </a:xfrm>
           <a:prstGeom prst="line">
@@ -3803,7 +3946,7 @@
           <p:cNvPr id="43" name="Rechteck 42">
             <a:extLst>
               <a:ext uri="{FF2B5EF4-FFF2-40B4-BE49-F238E27FC236}">
-                <a16:creationId xmlns:a16="http://schemas.microsoft.com/office/drawing/2014/main" id="{CE315B76-EB5C-4621-A9C0-0EB818D7FE9F}"/>
+                <a16:creationId xmlns:a16="http://schemas.microsoft.com/office/drawing/2014/main" id="{69F94309-A575-9D51-F0A5-440FA7E0A69F}"/>
               </a:ext>
             </a:extLst>
           </p:cNvPr>
@@ -3812,7 +3955,7 @@
         </p:nvSpPr>
         <p:spPr>
           <a:xfrm>
-            <a:off x="2729587" y="1806468"/>
+            <a:off x="2740686" y="1869944"/>
             <a:ext cx="540216" cy="403733"/>
           </a:xfrm>
           <a:prstGeom prst="rect">
@@ -3821,9 +3964,8 @@
           <a:noFill/>
           <a:ln w="38100">
             <a:solidFill>
-              <a:schemeClr val="accent2">
-                <a:lumMod val="60000"/>
-                <a:lumOff val="40000"/>
+              <a:schemeClr val="bg1">
+                <a:lumMod val="65000"/>
               </a:schemeClr>
             </a:solidFill>
             <a:prstDash val="dash"/>
@@ -3850,10 +3992,7 @@
           <a:lstStyle/>
           <a:p>
             <a:pPr algn="ctr"/>
-            <a:endParaRPr lang="en-US" sz="4000">
-              <a:latin typeface="Times New Roman" panose="02020603050405020304" pitchFamily="18" charset="0"/>
-              <a:cs typeface="Times New Roman" panose="02020603050405020304" pitchFamily="18" charset="0"/>
-            </a:endParaRPr>
+            <a:endParaRPr lang="en-US" sz="3470"/>
           </a:p>
         </p:txBody>
       </p:sp>
@@ -3862,30 +4001,27 @@
           <p:cNvPr id="14" name="Gerader Verbinder 26">
             <a:extLst>
               <a:ext uri="{FF2B5EF4-FFF2-40B4-BE49-F238E27FC236}">
-                <a16:creationId xmlns:a16="http://schemas.microsoft.com/office/drawing/2014/main" id="{13E3D231-19F3-D2CC-DEA2-91BB8131FE84}"/>
+                <a16:creationId xmlns:a16="http://schemas.microsoft.com/office/drawing/2014/main" id="{08CE473A-425C-1F2E-4356-938EC053AB45}"/>
               </a:ext>
             </a:extLst>
           </p:cNvPr>
           <p:cNvCxnSpPr>
             <a:cxnSpLocks/>
-            <a:stCxn id="16" idx="2"/>
-            <a:endCxn id="43" idx="0"/>
           </p:cNvCxnSpPr>
           <p:nvPr/>
         </p:nvCxnSpPr>
         <p:spPr>
           <a:xfrm flipH="1">
-            <a:off x="2999695" y="1303569"/>
-            <a:ext cx="167832" cy="502899"/>
+            <a:off x="3072162" y="990255"/>
+            <a:ext cx="364082" cy="873144"/>
           </a:xfrm>
           <a:prstGeom prst="line">
             <a:avLst/>
           </a:prstGeom>
           <a:ln w="28575">
             <a:solidFill>
-              <a:schemeClr val="accent2">
-                <a:lumMod val="60000"/>
-                <a:lumOff val="40000"/>
+              <a:schemeClr val="bg1">
+                <a:lumMod val="65000"/>
               </a:schemeClr>
             </a:solidFill>
           </a:ln>
@@ -3910,7 +4046,7 @@
           <p:cNvPr id="16" name="Rechteck 15">
             <a:extLst>
               <a:ext uri="{FF2B5EF4-FFF2-40B4-BE49-F238E27FC236}">
-                <a16:creationId xmlns:a16="http://schemas.microsoft.com/office/drawing/2014/main" id="{6CFD098C-9DFE-F590-DECB-76C08BEF548F}"/>
+                <a16:creationId xmlns:a16="http://schemas.microsoft.com/office/drawing/2014/main" id="{FE70FA6B-64EA-E1F1-56D6-C9BC41A91A74}"/>
               </a:ext>
             </a:extLst>
           </p:cNvPr>
@@ -3919,17 +4055,18 @@
         </p:nvSpPr>
         <p:spPr>
           <a:xfrm>
-            <a:off x="2366238" y="783254"/>
-            <a:ext cx="1602577" cy="520315"/>
+            <a:off x="2805023" y="666506"/>
+            <a:ext cx="1399153" cy="393132"/>
           </a:xfrm>
           <a:prstGeom prst="rect">
             <a:avLst/>
           </a:prstGeom>
           <a:solidFill>
             <a:schemeClr val="bg1">
-              <a:lumMod val="65000"/>
+              <a:lumMod val="75000"/>
             </a:schemeClr>
           </a:solidFill>
+          <a:ln w="22225"/>
         </p:spPr>
         <p:style>
           <a:lnRef idx="2">
@@ -3953,11 +4090,12 @@
           <a:p>
             <a:pPr algn="ctr"/>
             <a:r>
-              <a:rPr lang="en-US" sz="1600" dirty="0">
-                <a:latin typeface="Times New Roman" panose="02020603050405020304" pitchFamily="18" charset="0"/>
-                <a:cs typeface="Times New Roman" panose="02020603050405020304" pitchFamily="18" charset="0"/>
+              <a:rPr lang="en-US" sz="1265" b="1" dirty="0">
+                <a:solidFill>
+                  <a:schemeClr val="tx1"/>
+                </a:solidFill>
               </a:rPr>
-              <a:t>No human contact</a:t>
+              <a:t>no human contact</a:t>
             </a:r>
           </a:p>
         </p:txBody>
@@ -3967,7 +4105,7 @@
           <p:cNvPr id="2050" name="Picture 2">
             <a:extLst>
               <a:ext uri="{FF2B5EF4-FFF2-40B4-BE49-F238E27FC236}">
-                <a16:creationId xmlns:a16="http://schemas.microsoft.com/office/drawing/2014/main" id="{5D5F8D05-1B0B-AA8B-BFF5-B7D26E3C748E}"/>
+                <a16:creationId xmlns:a16="http://schemas.microsoft.com/office/drawing/2014/main" id="{8DAB2830-C4C9-CF39-2BDB-300D4C13896E}"/>
               </a:ext>
             </a:extLst>
           </p:cNvPr>
@@ -3991,7 +4129,7 @@
         </p:blipFill>
         <p:spPr bwMode="auto">
           <a:xfrm>
-            <a:off x="5596119" y="783254"/>
+            <a:off x="5615170" y="802305"/>
             <a:ext cx="6065379" cy="3346037"/>
           </a:xfrm>
           <a:prstGeom prst="rect">
@@ -4014,7 +4152,7 @@
           <p:cNvPr id="19" name="Rechteck 18">
             <a:extLst>
               <a:ext uri="{FF2B5EF4-FFF2-40B4-BE49-F238E27FC236}">
-                <a16:creationId xmlns:a16="http://schemas.microsoft.com/office/drawing/2014/main" id="{A85DB14C-DBD4-B763-4F0E-E94A392C66CA}"/>
+                <a16:creationId xmlns:a16="http://schemas.microsoft.com/office/drawing/2014/main" id="{B0289C2F-F5BB-B0AA-7CB3-77EDD8740B81}"/>
               </a:ext>
             </a:extLst>
           </p:cNvPr>
@@ -4023,17 +4161,18 @@
         </p:nvSpPr>
         <p:spPr>
           <a:xfrm>
-            <a:off x="6208968" y="279851"/>
-            <a:ext cx="1602577" cy="520315"/>
+            <a:off x="6818425" y="469940"/>
+            <a:ext cx="1399153" cy="393132"/>
           </a:xfrm>
           <a:prstGeom prst="rect">
             <a:avLst/>
           </a:prstGeom>
           <a:solidFill>
             <a:schemeClr val="bg1">
-              <a:lumMod val="65000"/>
+              <a:lumMod val="75000"/>
             </a:schemeClr>
           </a:solidFill>
+          <a:ln w="22225"/>
         </p:spPr>
         <p:style>
           <a:lnRef idx="2">
@@ -4057,11 +4196,12 @@
           <a:p>
             <a:pPr algn="ctr"/>
             <a:r>
-              <a:rPr lang="en-US" sz="1600" dirty="0">
-                <a:latin typeface="Times New Roman" panose="02020603050405020304" pitchFamily="18" charset="0"/>
-                <a:cs typeface="Times New Roman" panose="02020603050405020304" pitchFamily="18" charset="0"/>
+              <a:rPr lang="en-US" sz="1265" b="1" dirty="0">
+                <a:solidFill>
+                  <a:schemeClr val="tx1"/>
+                </a:solidFill>
               </a:rPr>
-              <a:t>Low risk of injury</a:t>
+              <a:t>low risk of injury</a:t>
             </a:r>
           </a:p>
         </p:txBody>
@@ -4071,7 +4211,7 @@
           <p:cNvPr id="20" name="Rechteck 19">
             <a:extLst>
               <a:ext uri="{FF2B5EF4-FFF2-40B4-BE49-F238E27FC236}">
-                <a16:creationId xmlns:a16="http://schemas.microsoft.com/office/drawing/2014/main" id="{3A463941-D3D4-A5F7-0F00-65F77112030F}"/>
+                <a16:creationId xmlns:a16="http://schemas.microsoft.com/office/drawing/2014/main" id="{647E2C95-146A-4C31-79F8-73034D342A97}"/>
               </a:ext>
             </a:extLst>
           </p:cNvPr>
@@ -4080,7 +4220,7 @@
         </p:nvSpPr>
         <p:spPr>
           <a:xfrm>
-            <a:off x="8024628" y="971205"/>
+            <a:off x="8043679" y="990255"/>
             <a:ext cx="623299" cy="393132"/>
           </a:xfrm>
           <a:prstGeom prst="rect">
@@ -4089,9 +4229,8 @@
           <a:noFill/>
           <a:ln w="38100">
             <a:solidFill>
-              <a:schemeClr val="accent2">
-                <a:lumMod val="60000"/>
-                <a:lumOff val="40000"/>
+              <a:schemeClr val="bg1">
+                <a:lumMod val="65000"/>
               </a:schemeClr>
             </a:solidFill>
             <a:prstDash val="dash"/>
@@ -4118,10 +4257,7 @@
           <a:lstStyle/>
           <a:p>
             <a:pPr algn="ctr"/>
-            <a:endParaRPr lang="en-US" sz="4000">
-              <a:latin typeface="Times New Roman" panose="02020603050405020304" pitchFamily="18" charset="0"/>
-              <a:cs typeface="Times New Roman" panose="02020603050405020304" pitchFamily="18" charset="0"/>
-            </a:endParaRPr>
+            <a:endParaRPr lang="en-US" sz="3470"/>
           </a:p>
         </p:txBody>
       </p:sp>
@@ -4130,30 +4266,28 @@
           <p:cNvPr id="21" name="Gerader Verbinder 26">
             <a:extLst>
               <a:ext uri="{FF2B5EF4-FFF2-40B4-BE49-F238E27FC236}">
-                <a16:creationId xmlns:a16="http://schemas.microsoft.com/office/drawing/2014/main" id="{ACECA005-5637-7900-3EE6-1C0011FE5336}"/>
+                <a16:creationId xmlns:a16="http://schemas.microsoft.com/office/drawing/2014/main" id="{AE381298-9B1B-C4B3-89B4-BC2317202480}"/>
               </a:ext>
             </a:extLst>
           </p:cNvPr>
           <p:cNvCxnSpPr>
             <a:cxnSpLocks/>
             <a:stCxn id="20" idx="1"/>
-            <a:endCxn id="19" idx="2"/>
           </p:cNvCxnSpPr>
           <p:nvPr/>
         </p:nvCxnSpPr>
         <p:spPr>
           <a:xfrm flipH="1" flipV="1">
-            <a:off x="7010257" y="800166"/>
-            <a:ext cx="1014371" cy="367605"/>
+            <a:off x="7260360" y="863073"/>
+            <a:ext cx="783319" cy="323749"/>
           </a:xfrm>
           <a:prstGeom prst="line">
             <a:avLst/>
           </a:prstGeom>
           <a:ln w="28575">
             <a:solidFill>
-              <a:schemeClr val="accent2">
-                <a:lumMod val="60000"/>
-                <a:lumOff val="40000"/>
+              <a:schemeClr val="bg1">
+                <a:lumMod val="65000"/>
               </a:schemeClr>
             </a:solidFill>
           </a:ln>
@@ -4178,7 +4312,7 @@
           <p:cNvPr id="23" name="Rechteck 22">
             <a:extLst>
               <a:ext uri="{FF2B5EF4-FFF2-40B4-BE49-F238E27FC236}">
-                <a16:creationId xmlns:a16="http://schemas.microsoft.com/office/drawing/2014/main" id="{5A2C4B7E-DB60-49B4-9486-3481E5C5562B}"/>
+                <a16:creationId xmlns:a16="http://schemas.microsoft.com/office/drawing/2014/main" id="{9B65E2F4-6199-5D6A-4564-1FC10EE6C715}"/>
               </a:ext>
             </a:extLst>
           </p:cNvPr>
@@ -4187,17 +4321,18 @@
         </p:nvSpPr>
         <p:spPr>
           <a:xfrm>
-            <a:off x="4338028" y="711047"/>
-            <a:ext cx="1602577" cy="520315"/>
+            <a:off x="4626958" y="1184187"/>
+            <a:ext cx="1399153" cy="393132"/>
           </a:xfrm>
           <a:prstGeom prst="rect">
             <a:avLst/>
           </a:prstGeom>
           <a:solidFill>
             <a:schemeClr val="bg1">
-              <a:lumMod val="65000"/>
+              <a:lumMod val="75000"/>
             </a:schemeClr>
           </a:solidFill>
+          <a:ln w="22225"/>
         </p:spPr>
         <p:style>
           <a:lnRef idx="2">
@@ -4221,11 +4356,12 @@
           <a:p>
             <a:pPr algn="ctr"/>
             <a:r>
-              <a:rPr lang="en-US" sz="1600" dirty="0">
-                <a:latin typeface="Times New Roman" panose="02020603050405020304" pitchFamily="18" charset="0"/>
-                <a:cs typeface="Times New Roman" panose="02020603050405020304" pitchFamily="18" charset="0"/>
+              <a:rPr lang="en-US" sz="1265" b="1" dirty="0">
+                <a:solidFill>
+                  <a:schemeClr val="tx1"/>
+                </a:solidFill>
               </a:rPr>
-              <a:t>Non-judgmental feedback</a:t>
+              <a:t>non-judgmental feedback</a:t>
             </a:r>
           </a:p>
         </p:txBody>
@@ -4235,30 +4371,27 @@
           <p:cNvPr id="24" name="Gerader Verbinder 26">
             <a:extLst>
               <a:ext uri="{FF2B5EF4-FFF2-40B4-BE49-F238E27FC236}">
-                <a16:creationId xmlns:a16="http://schemas.microsoft.com/office/drawing/2014/main" id="{C9B985CB-A951-5E86-7EAA-0D3D8C0581D8}"/>
+                <a16:creationId xmlns:a16="http://schemas.microsoft.com/office/drawing/2014/main" id="{BA9A6353-BFD0-1913-4180-3B6105BA41CB}"/>
               </a:ext>
             </a:extLst>
           </p:cNvPr>
           <p:cNvCxnSpPr>
             <a:cxnSpLocks/>
-            <a:stCxn id="23" idx="2"/>
-            <a:endCxn id="45" idx="0"/>
           </p:cNvCxnSpPr>
           <p:nvPr/>
         </p:nvCxnSpPr>
         <p:spPr>
           <a:xfrm flipH="1">
-            <a:off x="4473521" y="1231362"/>
-            <a:ext cx="665796" cy="995528"/>
+            <a:off x="4586310" y="1577319"/>
+            <a:ext cx="189681" cy="658622"/>
           </a:xfrm>
           <a:prstGeom prst="line">
             <a:avLst/>
           </a:prstGeom>
           <a:ln w="28575">
             <a:solidFill>
-              <a:schemeClr val="accent2">
-                <a:lumMod val="60000"/>
-                <a:lumOff val="40000"/>
+              <a:schemeClr val="bg1">
+                <a:lumMod val="65000"/>
               </a:schemeClr>
             </a:solidFill>
           </a:ln>
@@ -4283,7 +4416,7 @@
           <p:cNvPr id="39" name="Rechteck 38">
             <a:extLst>
               <a:ext uri="{FF2B5EF4-FFF2-40B4-BE49-F238E27FC236}">
-                <a16:creationId xmlns:a16="http://schemas.microsoft.com/office/drawing/2014/main" id="{7308264A-C8C5-781E-4092-ADFE247A538B}"/>
+                <a16:creationId xmlns:a16="http://schemas.microsoft.com/office/drawing/2014/main" id="{A64BA688-1B1C-D5A2-A0C0-37B5F28DBEB9}"/>
               </a:ext>
             </a:extLst>
           </p:cNvPr>
@@ -4292,17 +4425,18 @@
         </p:nvSpPr>
         <p:spPr>
           <a:xfrm>
-            <a:off x="5320480" y="4230320"/>
-            <a:ext cx="1602577" cy="520315"/>
+            <a:off x="5111793" y="4333658"/>
+            <a:ext cx="1399153" cy="393132"/>
           </a:xfrm>
           <a:prstGeom prst="rect">
             <a:avLst/>
           </a:prstGeom>
           <a:solidFill>
             <a:schemeClr val="bg1">
-              <a:lumMod val="65000"/>
+              <a:lumMod val="75000"/>
             </a:schemeClr>
           </a:solidFill>
+          <a:ln w="22225"/>
         </p:spPr>
         <p:style>
           <a:lnRef idx="2">
@@ -4326,11 +4460,12 @@
           <a:p>
             <a:pPr algn="ctr"/>
             <a:r>
-              <a:rPr lang="en-US" sz="1600" dirty="0">
-                <a:latin typeface="Times New Roman" panose="02020603050405020304" pitchFamily="18" charset="0"/>
-                <a:cs typeface="Times New Roman" panose="02020603050405020304" pitchFamily="18" charset="0"/>
+              <a:rPr lang="en-US" sz="1265" b="1" dirty="0">
+                <a:solidFill>
+                  <a:schemeClr val="tx1"/>
+                </a:solidFill>
               </a:rPr>
-              <a:t>Risk of dependency</a:t>
+              <a:t>risk of dependency</a:t>
             </a:r>
           </a:p>
         </p:txBody>
@@ -4340,7 +4475,7 @@
           <p:cNvPr id="40" name="Gerader Verbinder 26">
             <a:extLst>
               <a:ext uri="{FF2B5EF4-FFF2-40B4-BE49-F238E27FC236}">
-                <a16:creationId xmlns:a16="http://schemas.microsoft.com/office/drawing/2014/main" id="{537CF279-0C38-62DA-41F0-3F856F858D4B}"/>
+                <a16:creationId xmlns:a16="http://schemas.microsoft.com/office/drawing/2014/main" id="{17E92642-9422-0195-80D1-AB80B4119A08}"/>
               </a:ext>
             </a:extLst>
           </p:cNvPr>
@@ -4352,18 +4487,17 @@
           <p:nvPr/>
         </p:nvCxnSpPr>
         <p:spPr>
-          <a:xfrm flipH="1" flipV="1">
-            <a:off x="5940636" y="2052759"/>
-            <a:ext cx="181133" cy="2177561"/>
+          <a:xfrm flipV="1">
+            <a:off x="5811370" y="2071810"/>
+            <a:ext cx="148317" cy="2261849"/>
           </a:xfrm>
           <a:prstGeom prst="line">
             <a:avLst/>
           </a:prstGeom>
           <a:ln w="28575">
             <a:solidFill>
-              <a:schemeClr val="accent2">
-                <a:lumMod val="60000"/>
-                <a:lumOff val="40000"/>
+              <a:schemeClr val="bg1">
+                <a:lumMod val="65000"/>
               </a:schemeClr>
             </a:solidFill>
           </a:ln>
@@ -4388,7 +4522,7 @@
           <p:cNvPr id="44" name="Rechteck 43">
             <a:extLst>
               <a:ext uri="{FF2B5EF4-FFF2-40B4-BE49-F238E27FC236}">
-                <a16:creationId xmlns:a16="http://schemas.microsoft.com/office/drawing/2014/main" id="{843C98E5-EC2B-2CEA-00AA-0B5C1497AA77}"/>
+                <a16:creationId xmlns:a16="http://schemas.microsoft.com/office/drawing/2014/main" id="{45E5A024-DF30-84B7-366A-4031887EE917}"/>
               </a:ext>
             </a:extLst>
           </p:cNvPr>
@@ -4397,7 +4531,7 @@
         </p:nvSpPr>
         <p:spPr>
           <a:xfrm>
-            <a:off x="5670528" y="1649026"/>
+            <a:off x="5689578" y="1668077"/>
             <a:ext cx="540216" cy="403733"/>
           </a:xfrm>
           <a:prstGeom prst="rect">
@@ -4406,9 +4540,8 @@
           <a:noFill/>
           <a:ln w="38100">
             <a:solidFill>
-              <a:schemeClr val="accent2">
-                <a:lumMod val="60000"/>
-                <a:lumOff val="40000"/>
+              <a:schemeClr val="bg1">
+                <a:lumMod val="65000"/>
               </a:schemeClr>
             </a:solidFill>
             <a:prstDash val="dash"/>
@@ -4435,79 +4568,230 @@
           <a:lstStyle/>
           <a:p>
             <a:pPr algn="ctr"/>
-            <a:endParaRPr lang="en-US" sz="4000">
-              <a:latin typeface="Times New Roman" panose="02020603050405020304" pitchFamily="18" charset="0"/>
-              <a:cs typeface="Times New Roman" panose="02020603050405020304" pitchFamily="18" charset="0"/>
-            </a:endParaRPr>
-          </a:p>
-        </p:txBody>
-      </p:sp>
-      <p:pic>
-        <p:nvPicPr>
-          <p:cNvPr id="4" name="Grafik 3">
+            <a:endParaRPr lang="en-US" sz="3470"/>
+          </a:p>
+        </p:txBody>
+      </p:sp>
+      <p:sp>
+        <p:nvSpPr>
+          <p:cNvPr id="7" name="Rechteck 6">
             <a:extLst>
               <a:ext uri="{FF2B5EF4-FFF2-40B4-BE49-F238E27FC236}">
-                <a16:creationId xmlns:a16="http://schemas.microsoft.com/office/drawing/2014/main" id="{73077E1C-6701-4FF8-A99A-793156E910E5}"/>
+                <a16:creationId xmlns:a16="http://schemas.microsoft.com/office/drawing/2014/main" id="{19275C15-EE64-19CD-787B-A9C01BB6F5AF}"/>
               </a:ext>
             </a:extLst>
           </p:cNvPr>
-          <p:cNvPicPr>
-            <a:picLocks noChangeAspect="1"/>
-          </p:cNvPicPr>
+          <p:cNvSpPr/>
           <p:nvPr/>
-        </p:nvPicPr>
-        <p:blipFill>
-          <a:blip r:embed="rId5"/>
-          <a:stretch>
-            <a:fillRect/>
-          </a:stretch>
-        </p:blipFill>
+        </p:nvSpPr>
         <p:spPr>
           <a:xfrm>
-            <a:off x="1781710" y="3397683"/>
-            <a:ext cx="3214999" cy="3214999"/>
+            <a:off x="8888358" y="802304"/>
+            <a:ext cx="623299" cy="393132"/>
           </a:xfrm>
           <a:prstGeom prst="rect">
             <a:avLst/>
           </a:prstGeom>
-        </p:spPr>
-      </p:pic>
-      <p:pic>
-        <p:nvPicPr>
-          <p:cNvPr id="6" name="Grafik 5">
+          <a:noFill/>
+          <a:ln w="38100">
+            <a:solidFill>
+              <a:schemeClr val="bg1">
+                <a:lumMod val="65000"/>
+              </a:schemeClr>
+            </a:solidFill>
+            <a:prstDash val="dash"/>
+          </a:ln>
+        </p:spPr>
+        <p:style>
+          <a:lnRef idx="2">
+            <a:schemeClr val="accent1">
+              <a:shade val="50000"/>
+            </a:schemeClr>
+          </a:lnRef>
+          <a:fillRef idx="1">
+            <a:schemeClr val="accent1"/>
+          </a:fillRef>
+          <a:effectRef idx="0">
+            <a:schemeClr val="accent1"/>
+          </a:effectRef>
+          <a:fontRef idx="minor">
+            <a:schemeClr val="lt1"/>
+          </a:fontRef>
+        </p:style>
+        <p:txBody>
+          <a:bodyPr rtlCol="0" anchor="ctr"/>
+          <a:lstStyle/>
+          <a:p>
+            <a:pPr algn="ctr"/>
+            <a:endParaRPr lang="en-US" sz="3470"/>
+          </a:p>
+        </p:txBody>
+      </p:sp>
+      <p:cxnSp>
+        <p:nvCxnSpPr>
+          <p:cNvPr id="8" name="Gerader Verbinder 26">
             <a:extLst>
               <a:ext uri="{FF2B5EF4-FFF2-40B4-BE49-F238E27FC236}">
-                <a16:creationId xmlns:a16="http://schemas.microsoft.com/office/drawing/2014/main" id="{ACC29EE2-4A79-4E72-AEA9-D8D5D5E6E5A7}"/>
+                <a16:creationId xmlns:a16="http://schemas.microsoft.com/office/drawing/2014/main" id="{E643994D-F3E7-B1DF-6C9F-24FDB954601A}"/>
               </a:ext>
             </a:extLst>
           </p:cNvPr>
-          <p:cNvPicPr>
-            <a:picLocks noChangeAspect="1"/>
-          </p:cNvPicPr>
+          <p:cNvCxnSpPr>
+            <a:cxnSpLocks/>
+          </p:cNvCxnSpPr>
           <p:nvPr/>
-        </p:nvPicPr>
-        <p:blipFill>
-          <a:blip r:embed="rId6"/>
-          <a:stretch>
-            <a:fillRect/>
-          </a:stretch>
-        </p:blipFill>
+        </p:nvCxnSpPr>
+        <p:spPr>
+          <a:xfrm flipH="1">
+            <a:off x="9484742" y="657715"/>
+            <a:ext cx="125039" cy="132250"/>
+          </a:xfrm>
+          <a:prstGeom prst="line">
+            <a:avLst/>
+          </a:prstGeom>
+          <a:ln w="28575">
+            <a:solidFill>
+              <a:schemeClr val="bg1">
+                <a:lumMod val="65000"/>
+              </a:schemeClr>
+            </a:solidFill>
+          </a:ln>
+        </p:spPr>
+        <p:style>
+          <a:lnRef idx="2">
+            <a:schemeClr val="accent3"/>
+          </a:lnRef>
+          <a:fillRef idx="0">
+            <a:schemeClr val="accent3"/>
+          </a:fillRef>
+          <a:effectRef idx="1">
+            <a:schemeClr val="accent3"/>
+          </a:effectRef>
+          <a:fontRef idx="minor">
+            <a:schemeClr val="tx1"/>
+          </a:fontRef>
+        </p:style>
+      </p:cxnSp>
+      <p:sp>
+        <p:nvSpPr>
+          <p:cNvPr id="10" name="Rechteck 9">
+            <a:extLst>
+              <a:ext uri="{FF2B5EF4-FFF2-40B4-BE49-F238E27FC236}">
+                <a16:creationId xmlns:a16="http://schemas.microsoft.com/office/drawing/2014/main" id="{8DE30558-9B1E-E27D-51E0-FC67EBA51D27}"/>
+              </a:ext>
+            </a:extLst>
+          </p:cNvPr>
+          <p:cNvSpPr/>
+          <p:nvPr/>
+        </p:nvSpPr>
         <p:spPr>
           <a:xfrm>
-            <a:off x="7246828" y="3397683"/>
-            <a:ext cx="3214999" cy="3197738"/>
+            <a:off x="9385531" y="264583"/>
+            <a:ext cx="1399153" cy="393132"/>
           </a:xfrm>
           <a:prstGeom prst="rect">
             <a:avLst/>
           </a:prstGeom>
-        </p:spPr>
-      </p:pic>
-      <p:sp>
-        <p:nvSpPr>
-          <p:cNvPr id="41" name="Rechteck: abgerundete Ecken 4">
+          <a:solidFill>
+            <a:schemeClr val="bg1">
+              <a:lumMod val="75000"/>
+            </a:schemeClr>
+          </a:solidFill>
+          <a:ln w="22225"/>
+        </p:spPr>
+        <p:style>
+          <a:lnRef idx="2">
+            <a:schemeClr val="accent3">
+              <a:shade val="50000"/>
+            </a:schemeClr>
+          </a:lnRef>
+          <a:fillRef idx="1">
+            <a:schemeClr val="accent3"/>
+          </a:fillRef>
+          <a:effectRef idx="0">
+            <a:schemeClr val="accent3"/>
+          </a:effectRef>
+          <a:fontRef idx="minor">
+            <a:schemeClr val="lt1"/>
+          </a:fontRef>
+        </p:style>
+        <p:txBody>
+          <a:bodyPr rtlCol="0" anchor="ctr"/>
+          <a:lstStyle/>
+          <a:p>
+            <a:pPr algn="ctr"/>
+            <a:r>
+              <a:rPr lang="en-US" sz="1265" b="1" dirty="0">
+                <a:solidFill>
+                  <a:schemeClr val="tx1"/>
+                </a:solidFill>
+              </a:rPr>
+              <a:t>animal protection</a:t>
+            </a:r>
+          </a:p>
+        </p:txBody>
+      </p:sp>
+      <p:sp>
+        <p:nvSpPr>
+          <p:cNvPr id="2" name="Rechteck 1">
             <a:extLst>
               <a:ext uri="{FF2B5EF4-FFF2-40B4-BE49-F238E27FC236}">
-                <a16:creationId xmlns:a16="http://schemas.microsoft.com/office/drawing/2014/main" id="{4A828776-A149-45CE-AD12-808FD12C3341}"/>
+                <a16:creationId xmlns:a16="http://schemas.microsoft.com/office/drawing/2014/main" id="{E8C70CDA-796C-A8E3-4C57-6E40D23F3DF6}"/>
+              </a:ext>
+            </a:extLst>
+          </p:cNvPr>
+          <p:cNvSpPr/>
+          <p:nvPr/>
+        </p:nvSpPr>
+        <p:spPr>
+          <a:xfrm>
+            <a:off x="4204573" y="2235942"/>
+            <a:ext cx="540216" cy="403733"/>
+          </a:xfrm>
+          <a:prstGeom prst="rect">
+            <a:avLst/>
+          </a:prstGeom>
+          <a:noFill/>
+          <a:ln w="38100">
+            <a:solidFill>
+              <a:schemeClr val="bg1">
+                <a:lumMod val="65000"/>
+              </a:schemeClr>
+            </a:solidFill>
+            <a:prstDash val="dash"/>
+          </a:ln>
+        </p:spPr>
+        <p:style>
+          <a:lnRef idx="2">
+            <a:schemeClr val="accent1">
+              <a:shade val="50000"/>
+            </a:schemeClr>
+          </a:lnRef>
+          <a:fillRef idx="1">
+            <a:schemeClr val="accent1"/>
+          </a:fillRef>
+          <a:effectRef idx="0">
+            <a:schemeClr val="accent1"/>
+          </a:effectRef>
+          <a:fontRef idx="minor">
+            <a:schemeClr val="lt1"/>
+          </a:fontRef>
+        </p:style>
+        <p:txBody>
+          <a:bodyPr rtlCol="0" anchor="ctr"/>
+          <a:lstStyle/>
+          <a:p>
+            <a:pPr algn="ctr"/>
+            <a:endParaRPr lang="en-US" sz="3470"/>
+          </a:p>
+        </p:txBody>
+      </p:sp>
+      <p:sp>
+        <p:nvSpPr>
+          <p:cNvPr id="3" name="Rechteck: abgerundete Ecken 4">
+            <a:extLst>
+              <a:ext uri="{FF2B5EF4-FFF2-40B4-BE49-F238E27FC236}">
+                <a16:creationId xmlns:a16="http://schemas.microsoft.com/office/drawing/2014/main" id="{57F31A17-EEE3-2A15-516E-FFB427BF0047}"/>
               </a:ext>
             </a:extLst>
           </p:cNvPr>
@@ -4518,17 +4802,25 @@
         </p:nvSpPr>
         <p:spPr>
           <a:xfrm>
-            <a:off x="551255" y="91396"/>
-            <a:ext cx="3539978" cy="608576"/>
+            <a:off x="1455294" y="3049254"/>
+            <a:ext cx="2372164" cy="729601"/>
           </a:xfrm>
           <a:prstGeom prst="roundRect">
             <a:avLst/>
           </a:prstGeom>
           <a:solidFill>
             <a:schemeClr val="bg1">
-              <a:lumMod val="65000"/>
+              <a:lumMod val="85000"/>
+              <a:alpha val="79739"/>
             </a:schemeClr>
           </a:solidFill>
+          <a:ln w="34925">
+            <a:solidFill>
+              <a:schemeClr val="bg1">
+                <a:lumMod val="50000"/>
+              </a:schemeClr>
+            </a:solidFill>
+          </a:ln>
         </p:spPr>
         <p:style>
           <a:lnRef idx="2">
@@ -4545,8 +4837,8 @@
           </a:fontRef>
         </p:style>
         <p:txBody>
-          <a:bodyPr vert="horz" lIns="91440" tIns="45720" rIns="91440" bIns="45720" rtlCol="0" anchor="ctr">
-            <a:normAutofit fontScale="85000" lnSpcReduction="10000"/>
+          <a:bodyPr vert="horz" lIns="77145" tIns="38573" rIns="77145" bIns="38573" rtlCol="0" anchor="ctr">
+            <a:noAutofit/>
           </a:bodyPr>
           <a:lstStyle>
             <a:lvl1pPr marL="228600" indent="-228600" algn="l" defTabSz="914400" rtl="0" eaLnBrk="1" latinLnBrk="0" hangingPunct="1">
@@ -4713,39 +5005,36 @@
             </a:lvl9pPr>
           </a:lstStyle>
           <a:p>
-            <a:pPr marL="0" indent="0">
+            <a:pPr marL="0" indent="0" algn="ctr">
               <a:buNone/>
             </a:pPr>
             <a:r>
               <a:rPr lang="en-US" sz="1600" dirty="0">
-                <a:latin typeface="Times New Roman" panose="02020603050405020304" pitchFamily="18" charset="0"/>
                 <a:cs typeface="Times New Roman" panose="02020603050405020304" pitchFamily="18" charset="0"/>
               </a:rPr>
-              <a:t>perceived risks and benefits associated with </a:t>
+              <a:t>Perceived risks and benefits of </a:t>
             </a:r>
             <a:r>
               <a:rPr lang="en-US" sz="1600" b="1" dirty="0">
-                <a:latin typeface="Times New Roman" panose="02020603050405020304" pitchFamily="18" charset="0"/>
                 <a:cs typeface="Times New Roman" panose="02020603050405020304" pitchFamily="18" charset="0"/>
               </a:rPr>
-              <a:t>conventional (rigid)</a:t>
+              <a:t>conventional</a:t>
             </a:r>
             <a:r>
               <a:rPr lang="en-US" sz="1600" dirty="0">
-                <a:latin typeface="Times New Roman" panose="02020603050405020304" pitchFamily="18" charset="0"/>
                 <a:cs typeface="Times New Roman" panose="02020603050405020304" pitchFamily="18" charset="0"/>
               </a:rPr>
-              <a:t> socially assistive robots</a:t>
-            </a:r>
-          </a:p>
-        </p:txBody>
-      </p:sp>
-      <p:sp>
-        <p:nvSpPr>
-          <p:cNvPr id="42" name="Rechteck: abgerundete Ecken 4">
+              <a:t> robots</a:t>
+            </a:r>
+          </a:p>
+        </p:txBody>
+      </p:sp>
+      <p:sp>
+        <p:nvSpPr>
+          <p:cNvPr id="6" name="Rechteck: abgerundete Ecken 4">
             <a:extLst>
               <a:ext uri="{FF2B5EF4-FFF2-40B4-BE49-F238E27FC236}">
-                <a16:creationId xmlns:a16="http://schemas.microsoft.com/office/drawing/2014/main" id="{748D61E6-8ACA-4298-A43E-A85161491ACC}"/>
+                <a16:creationId xmlns:a16="http://schemas.microsoft.com/office/drawing/2014/main" id="{48E0494C-D250-4E61-CC69-8A2DAA62B402}"/>
               </a:ext>
             </a:extLst>
           </p:cNvPr>
@@ -4756,17 +5045,25 @@
         </p:nvSpPr>
         <p:spPr>
           <a:xfrm>
-            <a:off x="8059655" y="91396"/>
-            <a:ext cx="3539978" cy="608576"/>
+            <a:off x="7207034" y="2922669"/>
+            <a:ext cx="2372164" cy="729601"/>
           </a:xfrm>
           <a:prstGeom prst="roundRect">
             <a:avLst/>
           </a:prstGeom>
           <a:solidFill>
             <a:schemeClr val="bg1">
-              <a:lumMod val="65000"/>
+              <a:lumMod val="85000"/>
+              <a:alpha val="86000"/>
             </a:schemeClr>
           </a:solidFill>
+          <a:ln w="34925">
+            <a:solidFill>
+              <a:schemeClr val="bg1">
+                <a:lumMod val="50000"/>
+              </a:schemeClr>
+            </a:solidFill>
+          </a:ln>
         </p:spPr>
         <p:style>
           <a:lnRef idx="2">
@@ -4783,7 +5080,7 @@
           </a:fontRef>
         </p:style>
         <p:txBody>
-          <a:bodyPr vert="horz" lIns="91440" tIns="45720" rIns="91440" bIns="45720" rtlCol="0" anchor="ctr">
+          <a:bodyPr vert="horz" lIns="77145" tIns="38573" rIns="77145" bIns="38573" rtlCol="0" anchor="ctr">
             <a:normAutofit/>
           </a:bodyPr>
           <a:lstStyle>
@@ -4951,39 +5248,119 @@
             </a:lvl9pPr>
           </a:lstStyle>
           <a:p>
-            <a:pPr marL="0" indent="0">
+            <a:pPr marL="0" indent="0" algn="ctr">
               <a:buNone/>
             </a:pPr>
             <a:r>
               <a:rPr lang="en-US" sz="1600" dirty="0">
-                <a:latin typeface="Times New Roman" panose="02020603050405020304" pitchFamily="18" charset="0"/>
                 <a:cs typeface="Times New Roman" panose="02020603050405020304" pitchFamily="18" charset="0"/>
               </a:rPr>
-              <a:t>perceived risks and benefits associated with </a:t>
+              <a:t>Perceived risks and benefits of </a:t>
             </a:r>
             <a:r>
               <a:rPr lang="en-US" sz="1600" b="1" dirty="0">
-                <a:latin typeface="Times New Roman" panose="02020603050405020304" pitchFamily="18" charset="0"/>
                 <a:cs typeface="Times New Roman" panose="02020603050405020304" pitchFamily="18" charset="0"/>
               </a:rPr>
-              <a:t>soft </a:t>
+              <a:t>soft</a:t>
             </a:r>
             <a:r>
               <a:rPr lang="en-US" sz="1600" dirty="0">
-                <a:latin typeface="Times New Roman" panose="02020603050405020304" pitchFamily="18" charset="0"/>
                 <a:cs typeface="Times New Roman" panose="02020603050405020304" pitchFamily="18" charset="0"/>
               </a:rPr>
-              <a:t>socially assistive robots</a:t>
-            </a:r>
-          </a:p>
-        </p:txBody>
-      </p:sp>
-      <p:sp>
-        <p:nvSpPr>
-          <p:cNvPr id="45" name="Rechteck 44">
+              <a:t> robots</a:t>
+            </a:r>
+          </a:p>
+        </p:txBody>
+      </p:sp>
+    </p:spTree>
+    <p:extLst>
+      <p:ext uri="{BB962C8B-B14F-4D97-AF65-F5344CB8AC3E}">
+        <p14:creationId xmlns:p14="http://schemas.microsoft.com/office/powerpoint/2010/main" val="1821970631"/>
+      </p:ext>
+    </p:extLst>
+  </p:cSld>
+  <p:clrMapOvr>
+    <a:masterClrMapping/>
+  </p:clrMapOvr>
+</p:sld>
+</file>
+
+<file path=ppt/slides/slide2.xml><?xml version="1.0" encoding="utf-8"?>
+<p:sld xmlns:a="http://schemas.openxmlformats.org/drawingml/2006/main" xmlns:r="http://schemas.openxmlformats.org/officeDocument/2006/relationships" xmlns:p="http://schemas.openxmlformats.org/presentationml/2006/main">
+  <p:cSld>
+    <p:spTree>
+      <p:nvGrpSpPr>
+        <p:cNvPr id="1" name="">
+          <a:extLst>
+            <a:ext uri="{FF2B5EF4-FFF2-40B4-BE49-F238E27FC236}">
+              <a16:creationId xmlns:a16="http://schemas.microsoft.com/office/drawing/2014/main" id="{12AEBCEF-9354-6989-4BBB-804E8DE51096}"/>
+            </a:ext>
+          </a:extLst>
+        </p:cNvPr>
+        <p:cNvGrpSpPr/>
+        <p:nvPr/>
+      </p:nvGrpSpPr>
+      <p:grpSpPr>
+        <a:xfrm>
+          <a:off x="0" y="0"/>
+          <a:ext cx="0" cy="0"/>
+          <a:chOff x="0" y="0"/>
+          <a:chExt cx="0" cy="0"/>
+        </a:xfrm>
+      </p:grpSpPr>
+      <p:pic>
+        <p:nvPicPr>
+          <p:cNvPr id="2052" name="Picture 4">
             <a:extLst>
               <a:ext uri="{FF2B5EF4-FFF2-40B4-BE49-F238E27FC236}">
-                <a16:creationId xmlns:a16="http://schemas.microsoft.com/office/drawing/2014/main" id="{8B63B0E1-2473-4E01-9741-76C35979C473}"/>
+                <a16:creationId xmlns:a16="http://schemas.microsoft.com/office/drawing/2014/main" id="{CD226ECA-BD87-58F4-880B-0029C50BA218}"/>
+              </a:ext>
+            </a:extLst>
+          </p:cNvPr>
+          <p:cNvPicPr>
+            <a:picLocks noChangeAspect="1" noChangeArrowheads="1"/>
+          </p:cNvPicPr>
+          <p:nvPr/>
+        </p:nvPicPr>
+        <p:blipFill>
+          <a:blip r:embed="rId3">
+            <a:extLst>
+              <a:ext uri="{28A0092B-C50C-407E-A947-70E740481C1C}">
+                <a14:useLocalDpi xmlns:a14="http://schemas.microsoft.com/office/drawing/2010/main" val="0"/>
+              </a:ext>
+            </a:extLst>
+          </a:blip>
+          <a:srcRect/>
+          <a:stretch>
+            <a:fillRect/>
+          </a:stretch>
+        </p:blipFill>
+        <p:spPr bwMode="auto">
+          <a:xfrm>
+            <a:off x="315440" y="2023360"/>
+            <a:ext cx="5448004" cy="2888577"/>
+          </a:xfrm>
+          <a:prstGeom prst="rect">
+            <a:avLst/>
+          </a:prstGeom>
+          <a:noFill/>
+          <a:extLst>
+            <a:ext uri="{909E8E84-426E-40DD-AFC4-6F175D3DCCD1}">
+              <a14:hiddenFill xmlns:a14="http://schemas.microsoft.com/office/drawing/2010/main">
+                <a:solidFill>
+                  <a:srgbClr val="FFFFFF"/>
+                </a:solidFill>
+              </a14:hiddenFill>
+            </a:ext>
+          </a:extLst>
+        </p:spPr>
+      </p:pic>
+      <p:sp>
+        <p:nvSpPr>
+          <p:cNvPr id="25" name="Rechteck 24">
+            <a:extLst>
+              <a:ext uri="{FF2B5EF4-FFF2-40B4-BE49-F238E27FC236}">
+                <a16:creationId xmlns:a16="http://schemas.microsoft.com/office/drawing/2014/main" id="{1E03AC7B-05F1-A5DD-274B-4261EC969F42}"/>
               </a:ext>
             </a:extLst>
           </p:cNvPr>
@@ -4992,7 +5369,174 @@
         </p:nvSpPr>
         <p:spPr>
           <a:xfrm>
-            <a:off x="4203413" y="2226890"/>
+            <a:off x="411401" y="4944663"/>
+            <a:ext cx="1399153" cy="393132"/>
+          </a:xfrm>
+          <a:prstGeom prst="rect">
+            <a:avLst/>
+          </a:prstGeom>
+          <a:solidFill>
+            <a:schemeClr val="bg1">
+              <a:lumMod val="75000"/>
+            </a:schemeClr>
+          </a:solidFill>
+          <a:ln w="22225">
+            <a:solidFill>
+              <a:schemeClr val="accent3">
+                <a:shade val="50000"/>
+                <a:alpha val="91845"/>
+              </a:schemeClr>
+            </a:solidFill>
+          </a:ln>
+        </p:spPr>
+        <p:style>
+          <a:lnRef idx="2">
+            <a:schemeClr val="accent3">
+              <a:shade val="50000"/>
+            </a:schemeClr>
+          </a:lnRef>
+          <a:fillRef idx="1">
+            <a:schemeClr val="accent3"/>
+          </a:fillRef>
+          <a:effectRef idx="0">
+            <a:schemeClr val="accent3"/>
+          </a:effectRef>
+          <a:fontRef idx="minor">
+            <a:schemeClr val="lt1"/>
+          </a:fontRef>
+        </p:style>
+        <p:txBody>
+          <a:bodyPr rtlCol="0" anchor="ctr"/>
+          <a:lstStyle/>
+          <a:p>
+            <a:pPr algn="ctr"/>
+            <a:r>
+              <a:rPr lang="en-US" sz="1265" b="1" dirty="0">
+                <a:solidFill>
+                  <a:schemeClr val="tx1"/>
+                </a:solidFill>
+              </a:rPr>
+              <a:t>loss of therapist jobs</a:t>
+            </a:r>
+          </a:p>
+        </p:txBody>
+      </p:sp>
+      <p:cxnSp>
+        <p:nvCxnSpPr>
+          <p:cNvPr id="27" name="Gerader Verbinder 26">
+            <a:extLst>
+              <a:ext uri="{FF2B5EF4-FFF2-40B4-BE49-F238E27FC236}">
+                <a16:creationId xmlns:a16="http://schemas.microsoft.com/office/drawing/2014/main" id="{8BBA7DE9-944F-5896-5446-2F7B74C21C25}"/>
+              </a:ext>
+            </a:extLst>
+          </p:cNvPr>
+          <p:cNvCxnSpPr>
+            <a:cxnSpLocks/>
+            <a:stCxn id="25" idx="0"/>
+          </p:cNvCxnSpPr>
+          <p:nvPr/>
+        </p:nvCxnSpPr>
+        <p:spPr>
+          <a:xfrm flipV="1">
+            <a:off x="1110977" y="4453349"/>
+            <a:ext cx="287206" cy="491314"/>
+          </a:xfrm>
+          <a:prstGeom prst="line">
+            <a:avLst/>
+          </a:prstGeom>
+          <a:ln w="28575">
+            <a:solidFill>
+              <a:schemeClr val="bg1">
+                <a:lumMod val="65000"/>
+              </a:schemeClr>
+            </a:solidFill>
+          </a:ln>
+        </p:spPr>
+        <p:style>
+          <a:lnRef idx="2">
+            <a:schemeClr val="accent3"/>
+          </a:lnRef>
+          <a:fillRef idx="0">
+            <a:schemeClr val="accent3"/>
+          </a:fillRef>
+          <a:effectRef idx="1">
+            <a:schemeClr val="accent3"/>
+          </a:effectRef>
+          <a:fontRef idx="minor">
+            <a:schemeClr val="tx1"/>
+          </a:fontRef>
+        </p:style>
+      </p:cxnSp>
+      <p:sp>
+        <p:nvSpPr>
+          <p:cNvPr id="36" name="Rechteck 35">
+            <a:extLst>
+              <a:ext uri="{FF2B5EF4-FFF2-40B4-BE49-F238E27FC236}">
+                <a16:creationId xmlns:a16="http://schemas.microsoft.com/office/drawing/2014/main" id="{D808E027-9068-3FC3-6437-731D89C754DA}"/>
+              </a:ext>
+            </a:extLst>
+          </p:cNvPr>
+          <p:cNvSpPr/>
+          <p:nvPr/>
+        </p:nvSpPr>
+        <p:spPr>
+          <a:xfrm>
+            <a:off x="6756252" y="1873415"/>
+            <a:ext cx="1399153" cy="393132"/>
+          </a:xfrm>
+          <a:prstGeom prst="rect">
+            <a:avLst/>
+          </a:prstGeom>
+          <a:solidFill>
+            <a:schemeClr val="accent2">
+              <a:lumMod val="60000"/>
+              <a:lumOff val="40000"/>
+            </a:schemeClr>
+          </a:solidFill>
+        </p:spPr>
+        <p:style>
+          <a:lnRef idx="2">
+            <a:schemeClr val="accent3">
+              <a:shade val="50000"/>
+            </a:schemeClr>
+          </a:lnRef>
+          <a:fillRef idx="1">
+            <a:schemeClr val="accent3"/>
+          </a:fillRef>
+          <a:effectRef idx="0">
+            <a:schemeClr val="accent3"/>
+          </a:effectRef>
+          <a:fontRef idx="minor">
+            <a:schemeClr val="lt1"/>
+          </a:fontRef>
+        </p:style>
+        <p:txBody>
+          <a:bodyPr rtlCol="0" anchor="ctr"/>
+          <a:lstStyle/>
+          <a:p>
+            <a:pPr algn="ctr"/>
+            <a:r>
+              <a:rPr lang="en-US" sz="3470" dirty="0"/>
+              <a:t>xxx</a:t>
+            </a:r>
+          </a:p>
+        </p:txBody>
+      </p:sp>
+      <p:sp>
+        <p:nvSpPr>
+          <p:cNvPr id="37" name="Rechteck 36">
+            <a:extLst>
+              <a:ext uri="{FF2B5EF4-FFF2-40B4-BE49-F238E27FC236}">
+                <a16:creationId xmlns:a16="http://schemas.microsoft.com/office/drawing/2014/main" id="{843466DF-C4A0-25F4-9E0D-B6111CC024F8}"/>
+              </a:ext>
+            </a:extLst>
+          </p:cNvPr>
+          <p:cNvSpPr/>
+          <p:nvPr/>
+        </p:nvSpPr>
+        <p:spPr>
+          <a:xfrm>
+            <a:off x="8217338" y="2526128"/>
             <a:ext cx="540216" cy="403733"/>
           </a:xfrm>
           <a:prstGeom prst="rect">
@@ -5030,17 +5574,1445 @@
           <a:lstStyle/>
           <a:p>
             <a:pPr algn="ctr"/>
-            <a:endParaRPr lang="en-US" sz="4000">
-              <a:latin typeface="Times New Roman" panose="02020603050405020304" pitchFamily="18" charset="0"/>
-              <a:cs typeface="Times New Roman" panose="02020603050405020304" pitchFamily="18" charset="0"/>
-            </a:endParaRPr>
+            <a:endParaRPr lang="en-US" sz="3470"/>
+          </a:p>
+        </p:txBody>
+      </p:sp>
+      <p:cxnSp>
+        <p:nvCxnSpPr>
+          <p:cNvPr id="38" name="Gerader Verbinder 37">
+            <a:extLst>
+              <a:ext uri="{FF2B5EF4-FFF2-40B4-BE49-F238E27FC236}">
+                <a16:creationId xmlns:a16="http://schemas.microsoft.com/office/drawing/2014/main" id="{603D3430-B5DA-CB2E-89A6-1AC4A898E31C}"/>
+              </a:ext>
+            </a:extLst>
+          </p:cNvPr>
+          <p:cNvCxnSpPr>
+            <a:cxnSpLocks/>
+          </p:cNvCxnSpPr>
+          <p:nvPr/>
+        </p:nvCxnSpPr>
+        <p:spPr>
+          <a:xfrm flipH="1" flipV="1">
+            <a:off x="7629026" y="2266547"/>
+            <a:ext cx="588313" cy="295189"/>
+          </a:xfrm>
+          <a:prstGeom prst="line">
+            <a:avLst/>
+          </a:prstGeom>
+          <a:ln w="28575">
+            <a:solidFill>
+              <a:schemeClr val="accent2">
+                <a:lumMod val="60000"/>
+                <a:lumOff val="40000"/>
+              </a:schemeClr>
+            </a:solidFill>
+          </a:ln>
+        </p:spPr>
+        <p:style>
+          <a:lnRef idx="2">
+            <a:schemeClr val="accent3"/>
+          </a:lnRef>
+          <a:fillRef idx="0">
+            <a:schemeClr val="accent3"/>
+          </a:fillRef>
+          <a:effectRef idx="1">
+            <a:schemeClr val="accent3"/>
+          </a:effectRef>
+          <a:fontRef idx="minor">
+            <a:schemeClr val="tx1"/>
+          </a:fontRef>
+        </p:style>
+      </p:cxnSp>
+      <p:sp>
+        <p:nvSpPr>
+          <p:cNvPr id="43" name="Rechteck 42">
+            <a:extLst>
+              <a:ext uri="{FF2B5EF4-FFF2-40B4-BE49-F238E27FC236}">
+                <a16:creationId xmlns:a16="http://schemas.microsoft.com/office/drawing/2014/main" id="{FFB955CB-0F17-A713-0480-2CF2125F5046}"/>
+              </a:ext>
+            </a:extLst>
+          </p:cNvPr>
+          <p:cNvSpPr/>
+          <p:nvPr/>
+        </p:nvSpPr>
+        <p:spPr>
+          <a:xfrm>
+            <a:off x="2888375" y="2594063"/>
+            <a:ext cx="540216" cy="403733"/>
+          </a:xfrm>
+          <a:prstGeom prst="rect">
+            <a:avLst/>
+          </a:prstGeom>
+          <a:noFill/>
+          <a:ln w="38100">
+            <a:solidFill>
+              <a:schemeClr val="bg1">
+                <a:lumMod val="65000"/>
+              </a:schemeClr>
+            </a:solidFill>
+            <a:prstDash val="dash"/>
+          </a:ln>
+        </p:spPr>
+        <p:style>
+          <a:lnRef idx="2">
+            <a:schemeClr val="accent1">
+              <a:shade val="50000"/>
+            </a:schemeClr>
+          </a:lnRef>
+          <a:fillRef idx="1">
+            <a:schemeClr val="accent1"/>
+          </a:fillRef>
+          <a:effectRef idx="0">
+            <a:schemeClr val="accent1"/>
+          </a:effectRef>
+          <a:fontRef idx="minor">
+            <a:schemeClr val="lt1"/>
+          </a:fontRef>
+        </p:style>
+        <p:txBody>
+          <a:bodyPr rtlCol="0" anchor="ctr"/>
+          <a:lstStyle/>
+          <a:p>
+            <a:pPr algn="ctr"/>
+            <a:endParaRPr lang="en-US" sz="3470"/>
+          </a:p>
+        </p:txBody>
+      </p:sp>
+      <p:cxnSp>
+        <p:nvCxnSpPr>
+          <p:cNvPr id="14" name="Gerader Verbinder 26">
+            <a:extLst>
+              <a:ext uri="{FF2B5EF4-FFF2-40B4-BE49-F238E27FC236}">
+                <a16:creationId xmlns:a16="http://schemas.microsoft.com/office/drawing/2014/main" id="{BB1B0436-4958-567F-40E0-77D9113F0FE6}"/>
+              </a:ext>
+            </a:extLst>
+          </p:cNvPr>
+          <p:cNvCxnSpPr>
+            <a:cxnSpLocks/>
+            <a:endCxn id="43" idx="0"/>
+          </p:cNvCxnSpPr>
+          <p:nvPr/>
+        </p:nvCxnSpPr>
+        <p:spPr>
+          <a:xfrm flipH="1">
+            <a:off x="3158483" y="1752110"/>
+            <a:ext cx="408094" cy="841953"/>
+          </a:xfrm>
+          <a:prstGeom prst="line">
+            <a:avLst/>
+          </a:prstGeom>
+          <a:ln w="28575">
+            <a:solidFill>
+              <a:schemeClr val="bg1">
+                <a:lumMod val="65000"/>
+              </a:schemeClr>
+            </a:solidFill>
+          </a:ln>
+        </p:spPr>
+        <p:style>
+          <a:lnRef idx="2">
+            <a:schemeClr val="accent3"/>
+          </a:lnRef>
+          <a:fillRef idx="0">
+            <a:schemeClr val="accent3"/>
+          </a:fillRef>
+          <a:effectRef idx="1">
+            <a:schemeClr val="accent3"/>
+          </a:effectRef>
+          <a:fontRef idx="minor">
+            <a:schemeClr val="tx1"/>
+          </a:fontRef>
+        </p:style>
+      </p:cxnSp>
+      <p:sp>
+        <p:nvSpPr>
+          <p:cNvPr id="16" name="Rechteck 15">
+            <a:extLst>
+              <a:ext uri="{FF2B5EF4-FFF2-40B4-BE49-F238E27FC236}">
+                <a16:creationId xmlns:a16="http://schemas.microsoft.com/office/drawing/2014/main" id="{E61969E6-9348-040A-6B16-640EC5F09677}"/>
+              </a:ext>
+            </a:extLst>
+          </p:cNvPr>
+          <p:cNvSpPr/>
+          <p:nvPr/>
+        </p:nvSpPr>
+        <p:spPr>
+          <a:xfrm>
+            <a:off x="2979937" y="1410033"/>
+            <a:ext cx="1399153" cy="393132"/>
+          </a:xfrm>
+          <a:prstGeom prst="rect">
+            <a:avLst/>
+          </a:prstGeom>
+          <a:solidFill>
+            <a:schemeClr val="bg1">
+              <a:lumMod val="75000"/>
+            </a:schemeClr>
+          </a:solidFill>
+          <a:ln w="22225"/>
+        </p:spPr>
+        <p:style>
+          <a:lnRef idx="2">
+            <a:schemeClr val="accent3">
+              <a:shade val="50000"/>
+            </a:schemeClr>
+          </a:lnRef>
+          <a:fillRef idx="1">
+            <a:schemeClr val="accent3"/>
+          </a:fillRef>
+          <a:effectRef idx="0">
+            <a:schemeClr val="accent3"/>
+          </a:effectRef>
+          <a:fontRef idx="minor">
+            <a:schemeClr val="lt1"/>
+          </a:fontRef>
+        </p:style>
+        <p:txBody>
+          <a:bodyPr rtlCol="0" anchor="ctr"/>
+          <a:lstStyle/>
+          <a:p>
+            <a:pPr algn="ctr"/>
+            <a:r>
+              <a:rPr lang="en-US" sz="1265" b="1" dirty="0">
+                <a:solidFill>
+                  <a:schemeClr val="tx1"/>
+                </a:solidFill>
+              </a:rPr>
+              <a:t>no human contact</a:t>
+            </a:r>
+          </a:p>
+        </p:txBody>
+      </p:sp>
+      <p:pic>
+        <p:nvPicPr>
+          <p:cNvPr id="2050" name="Picture 2">
+            <a:extLst>
+              <a:ext uri="{FF2B5EF4-FFF2-40B4-BE49-F238E27FC236}">
+                <a16:creationId xmlns:a16="http://schemas.microsoft.com/office/drawing/2014/main" id="{DCEFAF76-F0C9-235E-E08B-082BC1182734}"/>
+              </a:ext>
+            </a:extLst>
+          </p:cNvPr>
+          <p:cNvPicPr>
+            <a:picLocks noChangeAspect="1" noChangeArrowheads="1"/>
+          </p:cNvPicPr>
+          <p:nvPr/>
+        </p:nvPicPr>
+        <p:blipFill>
+          <a:blip r:embed="rId4">
+            <a:extLst>
+              <a:ext uri="{28A0092B-C50C-407E-A947-70E740481C1C}">
+                <a14:useLocalDpi xmlns:a14="http://schemas.microsoft.com/office/drawing/2010/main" val="0"/>
+              </a:ext>
+            </a:extLst>
+          </a:blip>
+          <a:srcRect/>
+          <a:stretch>
+            <a:fillRect/>
+          </a:stretch>
+        </p:blipFill>
+        <p:spPr bwMode="auto">
+          <a:xfrm>
+            <a:off x="5790084" y="1545832"/>
+            <a:ext cx="6065379" cy="3346037"/>
+          </a:xfrm>
+          <a:prstGeom prst="rect">
+            <a:avLst/>
+          </a:prstGeom>
+          <a:noFill/>
+          <a:extLst>
+            <a:ext uri="{909E8E84-426E-40DD-AFC4-6F175D3DCCD1}">
+              <a14:hiddenFill xmlns:a14="http://schemas.microsoft.com/office/drawing/2010/main">
+                <a:solidFill>
+                  <a:srgbClr val="FFFFFF"/>
+                </a:solidFill>
+              </a14:hiddenFill>
+            </a:ext>
+          </a:extLst>
+        </p:spPr>
+      </p:pic>
+      <p:sp>
+        <p:nvSpPr>
+          <p:cNvPr id="19" name="Rechteck 18">
+            <a:extLst>
+              <a:ext uri="{FF2B5EF4-FFF2-40B4-BE49-F238E27FC236}">
+                <a16:creationId xmlns:a16="http://schemas.microsoft.com/office/drawing/2014/main" id="{FB563267-7BF5-883D-0140-F32B64C286E5}"/>
+              </a:ext>
+            </a:extLst>
+          </p:cNvPr>
+          <p:cNvSpPr/>
+          <p:nvPr/>
+        </p:nvSpPr>
+        <p:spPr>
+          <a:xfrm>
+            <a:off x="6993339" y="1213467"/>
+            <a:ext cx="1399153" cy="393132"/>
+          </a:xfrm>
+          <a:prstGeom prst="rect">
+            <a:avLst/>
+          </a:prstGeom>
+          <a:solidFill>
+            <a:schemeClr val="bg1">
+              <a:lumMod val="75000"/>
+            </a:schemeClr>
+          </a:solidFill>
+          <a:ln w="22225"/>
+        </p:spPr>
+        <p:style>
+          <a:lnRef idx="2">
+            <a:schemeClr val="accent3">
+              <a:shade val="50000"/>
+            </a:schemeClr>
+          </a:lnRef>
+          <a:fillRef idx="1">
+            <a:schemeClr val="accent3"/>
+          </a:fillRef>
+          <a:effectRef idx="0">
+            <a:schemeClr val="accent3"/>
+          </a:effectRef>
+          <a:fontRef idx="minor">
+            <a:schemeClr val="lt1"/>
+          </a:fontRef>
+        </p:style>
+        <p:txBody>
+          <a:bodyPr rtlCol="0" anchor="ctr"/>
+          <a:lstStyle/>
+          <a:p>
+            <a:pPr algn="ctr"/>
+            <a:r>
+              <a:rPr lang="en-US" sz="1265" b="1" dirty="0">
+                <a:solidFill>
+                  <a:schemeClr val="tx1"/>
+                </a:solidFill>
+              </a:rPr>
+              <a:t>low risk of injury</a:t>
+            </a:r>
+          </a:p>
+        </p:txBody>
+      </p:sp>
+      <p:sp>
+        <p:nvSpPr>
+          <p:cNvPr id="20" name="Rechteck 19">
+            <a:extLst>
+              <a:ext uri="{FF2B5EF4-FFF2-40B4-BE49-F238E27FC236}">
+                <a16:creationId xmlns:a16="http://schemas.microsoft.com/office/drawing/2014/main" id="{2519ACD1-8A3A-1323-F654-FFDD011760D9}"/>
+              </a:ext>
+            </a:extLst>
+          </p:cNvPr>
+          <p:cNvSpPr/>
+          <p:nvPr/>
+        </p:nvSpPr>
+        <p:spPr>
+          <a:xfrm>
+            <a:off x="8218593" y="1733782"/>
+            <a:ext cx="623299" cy="393132"/>
+          </a:xfrm>
+          <a:prstGeom prst="rect">
+            <a:avLst/>
+          </a:prstGeom>
+          <a:noFill/>
+          <a:ln w="38100">
+            <a:solidFill>
+              <a:schemeClr val="bg1">
+                <a:lumMod val="65000"/>
+              </a:schemeClr>
+            </a:solidFill>
+            <a:prstDash val="dash"/>
+          </a:ln>
+        </p:spPr>
+        <p:style>
+          <a:lnRef idx="2">
+            <a:schemeClr val="accent1">
+              <a:shade val="50000"/>
+            </a:schemeClr>
+          </a:lnRef>
+          <a:fillRef idx="1">
+            <a:schemeClr val="accent1"/>
+          </a:fillRef>
+          <a:effectRef idx="0">
+            <a:schemeClr val="accent1"/>
+          </a:effectRef>
+          <a:fontRef idx="minor">
+            <a:schemeClr val="lt1"/>
+          </a:fontRef>
+        </p:style>
+        <p:txBody>
+          <a:bodyPr rtlCol="0" anchor="ctr"/>
+          <a:lstStyle/>
+          <a:p>
+            <a:pPr algn="ctr"/>
+            <a:endParaRPr lang="en-US" sz="3470"/>
+          </a:p>
+        </p:txBody>
+      </p:sp>
+      <p:cxnSp>
+        <p:nvCxnSpPr>
+          <p:cNvPr id="21" name="Gerader Verbinder 26">
+            <a:extLst>
+              <a:ext uri="{FF2B5EF4-FFF2-40B4-BE49-F238E27FC236}">
+                <a16:creationId xmlns:a16="http://schemas.microsoft.com/office/drawing/2014/main" id="{14A7ECAC-0E32-884A-69B9-BF4C61A8DB1E}"/>
+              </a:ext>
+            </a:extLst>
+          </p:cNvPr>
+          <p:cNvCxnSpPr>
+            <a:cxnSpLocks/>
+            <a:stCxn id="20" idx="1"/>
+          </p:cNvCxnSpPr>
+          <p:nvPr/>
+        </p:nvCxnSpPr>
+        <p:spPr>
+          <a:xfrm flipH="1" flipV="1">
+            <a:off x="7455828" y="1618938"/>
+            <a:ext cx="762765" cy="311410"/>
+          </a:xfrm>
+          <a:prstGeom prst="line">
+            <a:avLst/>
+          </a:prstGeom>
+          <a:ln w="28575">
+            <a:solidFill>
+              <a:schemeClr val="bg1">
+                <a:lumMod val="65000"/>
+              </a:schemeClr>
+            </a:solidFill>
+          </a:ln>
+        </p:spPr>
+        <p:style>
+          <a:lnRef idx="2">
+            <a:schemeClr val="accent3"/>
+          </a:lnRef>
+          <a:fillRef idx="0">
+            <a:schemeClr val="accent3"/>
+          </a:fillRef>
+          <a:effectRef idx="1">
+            <a:schemeClr val="accent3"/>
+          </a:effectRef>
+          <a:fontRef idx="minor">
+            <a:schemeClr val="tx1"/>
+          </a:fontRef>
+        </p:style>
+      </p:cxnSp>
+      <p:sp>
+        <p:nvSpPr>
+          <p:cNvPr id="23" name="Rechteck 22">
+            <a:extLst>
+              <a:ext uri="{FF2B5EF4-FFF2-40B4-BE49-F238E27FC236}">
+                <a16:creationId xmlns:a16="http://schemas.microsoft.com/office/drawing/2014/main" id="{D826898F-5415-D554-24E6-9526963CA14F}"/>
+              </a:ext>
+            </a:extLst>
+          </p:cNvPr>
+          <p:cNvSpPr/>
+          <p:nvPr/>
+        </p:nvSpPr>
+        <p:spPr>
+          <a:xfrm>
+            <a:off x="4801872" y="1927714"/>
+            <a:ext cx="1399153" cy="393132"/>
+          </a:xfrm>
+          <a:prstGeom prst="rect">
+            <a:avLst/>
+          </a:prstGeom>
+          <a:solidFill>
+            <a:schemeClr val="bg1">
+              <a:lumMod val="75000"/>
+            </a:schemeClr>
+          </a:solidFill>
+          <a:ln w="22225"/>
+        </p:spPr>
+        <p:style>
+          <a:lnRef idx="2">
+            <a:schemeClr val="accent3">
+              <a:shade val="50000"/>
+            </a:schemeClr>
+          </a:lnRef>
+          <a:fillRef idx="1">
+            <a:schemeClr val="accent3"/>
+          </a:fillRef>
+          <a:effectRef idx="0">
+            <a:schemeClr val="accent3"/>
+          </a:effectRef>
+          <a:fontRef idx="minor">
+            <a:schemeClr val="lt1"/>
+          </a:fontRef>
+        </p:style>
+        <p:txBody>
+          <a:bodyPr rtlCol="0" anchor="ctr"/>
+          <a:lstStyle/>
+          <a:p>
+            <a:pPr algn="ctr"/>
+            <a:r>
+              <a:rPr lang="en-US" sz="1265" b="1" dirty="0">
+                <a:solidFill>
+                  <a:schemeClr val="tx1"/>
+                </a:solidFill>
+              </a:rPr>
+              <a:t>non-judgmental feedback</a:t>
+            </a:r>
+          </a:p>
+        </p:txBody>
+      </p:sp>
+      <p:cxnSp>
+        <p:nvCxnSpPr>
+          <p:cNvPr id="24" name="Gerader Verbinder 26">
+            <a:extLst>
+              <a:ext uri="{FF2B5EF4-FFF2-40B4-BE49-F238E27FC236}">
+                <a16:creationId xmlns:a16="http://schemas.microsoft.com/office/drawing/2014/main" id="{9B8E2D04-CBEB-E917-3B49-7B55A9B74072}"/>
+              </a:ext>
+            </a:extLst>
+          </p:cNvPr>
+          <p:cNvCxnSpPr>
+            <a:cxnSpLocks/>
+          </p:cNvCxnSpPr>
+          <p:nvPr/>
+        </p:nvCxnSpPr>
+        <p:spPr>
+          <a:xfrm flipH="1">
+            <a:off x="4761224" y="2320846"/>
+            <a:ext cx="189681" cy="658622"/>
+          </a:xfrm>
+          <a:prstGeom prst="line">
+            <a:avLst/>
+          </a:prstGeom>
+          <a:ln w="28575">
+            <a:solidFill>
+              <a:schemeClr val="bg1">
+                <a:lumMod val="65000"/>
+              </a:schemeClr>
+            </a:solidFill>
+          </a:ln>
+        </p:spPr>
+        <p:style>
+          <a:lnRef idx="2">
+            <a:schemeClr val="accent3"/>
+          </a:lnRef>
+          <a:fillRef idx="0">
+            <a:schemeClr val="accent3"/>
+          </a:fillRef>
+          <a:effectRef idx="1">
+            <a:schemeClr val="accent3"/>
+          </a:effectRef>
+          <a:fontRef idx="minor">
+            <a:schemeClr val="tx1"/>
+          </a:fontRef>
+        </p:style>
+      </p:cxnSp>
+      <p:sp>
+        <p:nvSpPr>
+          <p:cNvPr id="39" name="Rechteck 38">
+            <a:extLst>
+              <a:ext uri="{FF2B5EF4-FFF2-40B4-BE49-F238E27FC236}">
+                <a16:creationId xmlns:a16="http://schemas.microsoft.com/office/drawing/2014/main" id="{5B594424-E758-41D8-0E8D-4F6DA2FED061}"/>
+              </a:ext>
+            </a:extLst>
+          </p:cNvPr>
+          <p:cNvSpPr/>
+          <p:nvPr/>
+        </p:nvSpPr>
+        <p:spPr>
+          <a:xfrm>
+            <a:off x="5286707" y="5077185"/>
+            <a:ext cx="1399153" cy="393132"/>
+          </a:xfrm>
+          <a:prstGeom prst="rect">
+            <a:avLst/>
+          </a:prstGeom>
+          <a:solidFill>
+            <a:schemeClr val="bg1">
+              <a:lumMod val="75000"/>
+            </a:schemeClr>
+          </a:solidFill>
+          <a:ln w="22225"/>
+        </p:spPr>
+        <p:style>
+          <a:lnRef idx="2">
+            <a:schemeClr val="accent3">
+              <a:shade val="50000"/>
+            </a:schemeClr>
+          </a:lnRef>
+          <a:fillRef idx="1">
+            <a:schemeClr val="accent3"/>
+          </a:fillRef>
+          <a:effectRef idx="0">
+            <a:schemeClr val="accent3"/>
+          </a:effectRef>
+          <a:fontRef idx="minor">
+            <a:schemeClr val="lt1"/>
+          </a:fontRef>
+        </p:style>
+        <p:txBody>
+          <a:bodyPr rtlCol="0" anchor="ctr"/>
+          <a:lstStyle/>
+          <a:p>
+            <a:pPr algn="ctr"/>
+            <a:r>
+              <a:rPr lang="en-US" sz="1265" b="1" dirty="0">
+                <a:solidFill>
+                  <a:schemeClr val="tx1"/>
+                </a:solidFill>
+              </a:rPr>
+              <a:t>risk of dependency</a:t>
+            </a:r>
+          </a:p>
+        </p:txBody>
+      </p:sp>
+      <p:cxnSp>
+        <p:nvCxnSpPr>
+          <p:cNvPr id="40" name="Gerader Verbinder 26">
+            <a:extLst>
+              <a:ext uri="{FF2B5EF4-FFF2-40B4-BE49-F238E27FC236}">
+                <a16:creationId xmlns:a16="http://schemas.microsoft.com/office/drawing/2014/main" id="{73704356-8DD6-8E32-89A9-B25159C1ECD5}"/>
+              </a:ext>
+            </a:extLst>
+          </p:cNvPr>
+          <p:cNvCxnSpPr>
+            <a:cxnSpLocks/>
+            <a:stCxn id="39" idx="0"/>
+            <a:endCxn id="44" idx="2"/>
+          </p:cNvCxnSpPr>
+          <p:nvPr/>
+        </p:nvCxnSpPr>
+        <p:spPr>
+          <a:xfrm flipV="1">
+            <a:off x="5986284" y="2815337"/>
+            <a:ext cx="148317" cy="2261849"/>
+          </a:xfrm>
+          <a:prstGeom prst="line">
+            <a:avLst/>
+          </a:prstGeom>
+          <a:ln w="28575">
+            <a:solidFill>
+              <a:schemeClr val="bg1">
+                <a:lumMod val="65000"/>
+              </a:schemeClr>
+            </a:solidFill>
+          </a:ln>
+        </p:spPr>
+        <p:style>
+          <a:lnRef idx="2">
+            <a:schemeClr val="accent3"/>
+          </a:lnRef>
+          <a:fillRef idx="0">
+            <a:schemeClr val="accent3"/>
+          </a:fillRef>
+          <a:effectRef idx="1">
+            <a:schemeClr val="accent3"/>
+          </a:effectRef>
+          <a:fontRef idx="minor">
+            <a:schemeClr val="tx1"/>
+          </a:fontRef>
+        </p:style>
+      </p:cxnSp>
+      <p:sp>
+        <p:nvSpPr>
+          <p:cNvPr id="44" name="Rechteck 43">
+            <a:extLst>
+              <a:ext uri="{FF2B5EF4-FFF2-40B4-BE49-F238E27FC236}">
+                <a16:creationId xmlns:a16="http://schemas.microsoft.com/office/drawing/2014/main" id="{F2B5BD88-E598-DA29-6BA7-F698B56753D6}"/>
+              </a:ext>
+            </a:extLst>
+          </p:cNvPr>
+          <p:cNvSpPr/>
+          <p:nvPr/>
+        </p:nvSpPr>
+        <p:spPr>
+          <a:xfrm>
+            <a:off x="5864492" y="2411604"/>
+            <a:ext cx="540216" cy="403733"/>
+          </a:xfrm>
+          <a:prstGeom prst="rect">
+            <a:avLst/>
+          </a:prstGeom>
+          <a:noFill/>
+          <a:ln w="38100">
+            <a:solidFill>
+              <a:schemeClr val="bg1">
+                <a:lumMod val="65000"/>
+              </a:schemeClr>
+            </a:solidFill>
+            <a:prstDash val="dash"/>
+          </a:ln>
+        </p:spPr>
+        <p:style>
+          <a:lnRef idx="2">
+            <a:schemeClr val="accent1">
+              <a:shade val="50000"/>
+            </a:schemeClr>
+          </a:lnRef>
+          <a:fillRef idx="1">
+            <a:schemeClr val="accent1"/>
+          </a:fillRef>
+          <a:effectRef idx="0">
+            <a:schemeClr val="accent1"/>
+          </a:effectRef>
+          <a:fontRef idx="minor">
+            <a:schemeClr val="lt1"/>
+          </a:fontRef>
+        </p:style>
+        <p:txBody>
+          <a:bodyPr rtlCol="0" anchor="ctr"/>
+          <a:lstStyle/>
+          <a:p>
+            <a:pPr algn="ctr"/>
+            <a:endParaRPr lang="en-US" sz="3470"/>
+          </a:p>
+        </p:txBody>
+      </p:sp>
+      <p:sp>
+        <p:nvSpPr>
+          <p:cNvPr id="7" name="Rechteck 6">
+            <a:extLst>
+              <a:ext uri="{FF2B5EF4-FFF2-40B4-BE49-F238E27FC236}">
+                <a16:creationId xmlns:a16="http://schemas.microsoft.com/office/drawing/2014/main" id="{2BCD94A7-749F-37EE-8DC3-26E050656DFD}"/>
+              </a:ext>
+            </a:extLst>
+          </p:cNvPr>
+          <p:cNvSpPr/>
+          <p:nvPr/>
+        </p:nvSpPr>
+        <p:spPr>
+          <a:xfrm>
+            <a:off x="9063272" y="1545831"/>
+            <a:ext cx="623299" cy="393132"/>
+          </a:xfrm>
+          <a:prstGeom prst="rect">
+            <a:avLst/>
+          </a:prstGeom>
+          <a:noFill/>
+          <a:ln w="38100">
+            <a:solidFill>
+              <a:schemeClr val="bg1">
+                <a:lumMod val="65000"/>
+              </a:schemeClr>
+            </a:solidFill>
+            <a:prstDash val="dash"/>
+          </a:ln>
+        </p:spPr>
+        <p:style>
+          <a:lnRef idx="2">
+            <a:schemeClr val="accent1">
+              <a:shade val="50000"/>
+            </a:schemeClr>
+          </a:lnRef>
+          <a:fillRef idx="1">
+            <a:schemeClr val="accent1"/>
+          </a:fillRef>
+          <a:effectRef idx="0">
+            <a:schemeClr val="accent1"/>
+          </a:effectRef>
+          <a:fontRef idx="minor">
+            <a:schemeClr val="lt1"/>
+          </a:fontRef>
+        </p:style>
+        <p:txBody>
+          <a:bodyPr rtlCol="0" anchor="ctr"/>
+          <a:lstStyle/>
+          <a:p>
+            <a:pPr algn="ctr"/>
+            <a:endParaRPr lang="en-US" sz="3470"/>
+          </a:p>
+        </p:txBody>
+      </p:sp>
+      <p:cxnSp>
+        <p:nvCxnSpPr>
+          <p:cNvPr id="8" name="Gerader Verbinder 26">
+            <a:extLst>
+              <a:ext uri="{FF2B5EF4-FFF2-40B4-BE49-F238E27FC236}">
+                <a16:creationId xmlns:a16="http://schemas.microsoft.com/office/drawing/2014/main" id="{8A0134F3-7201-BA80-E4E2-98B3A9886D64}"/>
+              </a:ext>
+            </a:extLst>
+          </p:cNvPr>
+          <p:cNvCxnSpPr>
+            <a:cxnSpLocks/>
+          </p:cNvCxnSpPr>
+          <p:nvPr/>
+        </p:nvCxnSpPr>
+        <p:spPr>
+          <a:xfrm flipH="1">
+            <a:off x="9659656" y="1401242"/>
+            <a:ext cx="125039" cy="132250"/>
+          </a:xfrm>
+          <a:prstGeom prst="line">
+            <a:avLst/>
+          </a:prstGeom>
+          <a:ln w="28575">
+            <a:solidFill>
+              <a:schemeClr val="bg1">
+                <a:lumMod val="65000"/>
+              </a:schemeClr>
+            </a:solidFill>
+          </a:ln>
+        </p:spPr>
+        <p:style>
+          <a:lnRef idx="2">
+            <a:schemeClr val="accent3"/>
+          </a:lnRef>
+          <a:fillRef idx="0">
+            <a:schemeClr val="accent3"/>
+          </a:fillRef>
+          <a:effectRef idx="1">
+            <a:schemeClr val="accent3"/>
+          </a:effectRef>
+          <a:fontRef idx="minor">
+            <a:schemeClr val="tx1"/>
+          </a:fontRef>
+        </p:style>
+      </p:cxnSp>
+      <p:sp>
+        <p:nvSpPr>
+          <p:cNvPr id="10" name="Rechteck 9">
+            <a:extLst>
+              <a:ext uri="{FF2B5EF4-FFF2-40B4-BE49-F238E27FC236}">
+                <a16:creationId xmlns:a16="http://schemas.microsoft.com/office/drawing/2014/main" id="{B9BAFDEF-1F94-DEA1-9E5A-D905A3673297}"/>
+              </a:ext>
+            </a:extLst>
+          </p:cNvPr>
+          <p:cNvSpPr/>
+          <p:nvPr/>
+        </p:nvSpPr>
+        <p:spPr>
+          <a:xfrm>
+            <a:off x="9560445" y="1008110"/>
+            <a:ext cx="1399153" cy="393132"/>
+          </a:xfrm>
+          <a:prstGeom prst="rect">
+            <a:avLst/>
+          </a:prstGeom>
+          <a:solidFill>
+            <a:schemeClr val="bg1">
+              <a:lumMod val="75000"/>
+            </a:schemeClr>
+          </a:solidFill>
+          <a:ln w="22225"/>
+        </p:spPr>
+        <p:style>
+          <a:lnRef idx="2">
+            <a:schemeClr val="accent3">
+              <a:shade val="50000"/>
+            </a:schemeClr>
+          </a:lnRef>
+          <a:fillRef idx="1">
+            <a:schemeClr val="accent3"/>
+          </a:fillRef>
+          <a:effectRef idx="0">
+            <a:schemeClr val="accent3"/>
+          </a:effectRef>
+          <a:fontRef idx="minor">
+            <a:schemeClr val="lt1"/>
+          </a:fontRef>
+        </p:style>
+        <p:txBody>
+          <a:bodyPr rtlCol="0" anchor="ctr"/>
+          <a:lstStyle/>
+          <a:p>
+            <a:pPr algn="ctr"/>
+            <a:r>
+              <a:rPr lang="en-US" sz="1265" b="1" dirty="0">
+                <a:solidFill>
+                  <a:schemeClr val="tx1"/>
+                </a:solidFill>
+              </a:rPr>
+              <a:t>animal protection</a:t>
+            </a:r>
+          </a:p>
+        </p:txBody>
+      </p:sp>
+      <p:sp>
+        <p:nvSpPr>
+          <p:cNvPr id="2" name="Rechteck 1">
+            <a:extLst>
+              <a:ext uri="{FF2B5EF4-FFF2-40B4-BE49-F238E27FC236}">
+                <a16:creationId xmlns:a16="http://schemas.microsoft.com/office/drawing/2014/main" id="{E9894EF5-54B1-D2C0-E282-4B6A37344AFD}"/>
+              </a:ext>
+            </a:extLst>
+          </p:cNvPr>
+          <p:cNvSpPr/>
+          <p:nvPr/>
+        </p:nvSpPr>
+        <p:spPr>
+          <a:xfrm>
+            <a:off x="4406131" y="2997796"/>
+            <a:ext cx="540216" cy="403733"/>
+          </a:xfrm>
+          <a:prstGeom prst="rect">
+            <a:avLst/>
+          </a:prstGeom>
+          <a:noFill/>
+          <a:ln w="38100">
+            <a:solidFill>
+              <a:schemeClr val="bg1">
+                <a:lumMod val="65000"/>
+              </a:schemeClr>
+            </a:solidFill>
+            <a:prstDash val="dash"/>
+          </a:ln>
+        </p:spPr>
+        <p:style>
+          <a:lnRef idx="2">
+            <a:schemeClr val="accent1">
+              <a:shade val="50000"/>
+            </a:schemeClr>
+          </a:lnRef>
+          <a:fillRef idx="1">
+            <a:schemeClr val="accent1"/>
+          </a:fillRef>
+          <a:effectRef idx="0">
+            <a:schemeClr val="accent1"/>
+          </a:effectRef>
+          <a:fontRef idx="minor">
+            <a:schemeClr val="lt1"/>
+          </a:fontRef>
+        </p:style>
+        <p:txBody>
+          <a:bodyPr rtlCol="0" anchor="ctr"/>
+          <a:lstStyle/>
+          <a:p>
+            <a:pPr algn="ctr"/>
+            <a:endParaRPr lang="en-US" sz="3470"/>
+          </a:p>
+        </p:txBody>
+      </p:sp>
+      <p:sp>
+        <p:nvSpPr>
+          <p:cNvPr id="3" name="Rechteck: abgerundete Ecken 4">
+            <a:extLst>
+              <a:ext uri="{FF2B5EF4-FFF2-40B4-BE49-F238E27FC236}">
+                <a16:creationId xmlns:a16="http://schemas.microsoft.com/office/drawing/2014/main" id="{EA0C80E8-E9DF-C8B9-C22D-D36C8A9BD3EB}"/>
+              </a:ext>
+            </a:extLst>
+          </p:cNvPr>
+          <p:cNvSpPr txBox="1">
+            <a:spLocks/>
+          </p:cNvSpPr>
+          <p:nvPr/>
+        </p:nvSpPr>
+        <p:spPr>
+          <a:xfrm>
+            <a:off x="1726990" y="72756"/>
+            <a:ext cx="2322770" cy="859531"/>
+          </a:xfrm>
+          <a:prstGeom prst="roundRect">
+            <a:avLst/>
+          </a:prstGeom>
+          <a:solidFill>
+            <a:schemeClr val="bg1">
+              <a:lumMod val="85000"/>
+            </a:schemeClr>
+          </a:solidFill>
+          <a:ln w="34925">
+            <a:solidFill>
+              <a:schemeClr val="bg1">
+                <a:lumMod val="50000"/>
+              </a:schemeClr>
+            </a:solidFill>
+          </a:ln>
+        </p:spPr>
+        <p:style>
+          <a:lnRef idx="2">
+            <a:schemeClr val="dk1"/>
+          </a:lnRef>
+          <a:fillRef idx="1">
+            <a:schemeClr val="lt1"/>
+          </a:fillRef>
+          <a:effectRef idx="0">
+            <a:schemeClr val="dk1"/>
+          </a:effectRef>
+          <a:fontRef idx="minor">
+            <a:schemeClr val="dk1"/>
+          </a:fontRef>
+        </p:style>
+        <p:txBody>
+          <a:bodyPr vert="horz" lIns="77145" tIns="38573" rIns="77145" bIns="38573" rtlCol="0" anchor="ctr">
+            <a:noAutofit/>
+          </a:bodyPr>
+          <a:lstStyle>
+            <a:lvl1pPr marL="228600" indent="-228600" algn="l" defTabSz="914400" rtl="0" eaLnBrk="1" latinLnBrk="0" hangingPunct="1">
+              <a:lnSpc>
+                <a:spcPct val="90000"/>
+              </a:lnSpc>
+              <a:spcBef>
+                <a:spcPts val="1000"/>
+              </a:spcBef>
+              <a:buFont typeface="Arial" panose="020B0604020202020204" pitchFamily="34" charset="0"/>
+              <a:buChar char="•"/>
+              <a:defRPr sz="2800" kern="1200">
+                <a:solidFill>
+                  <a:schemeClr val="dk1"/>
+                </a:solidFill>
+                <a:latin typeface="+mn-lt"/>
+                <a:ea typeface="+mn-ea"/>
+                <a:cs typeface="+mn-cs"/>
+              </a:defRPr>
+            </a:lvl1pPr>
+            <a:lvl2pPr marL="685800" indent="-228600" algn="l" defTabSz="914400" rtl="0" eaLnBrk="1" latinLnBrk="0" hangingPunct="1">
+              <a:lnSpc>
+                <a:spcPct val="90000"/>
+              </a:lnSpc>
+              <a:spcBef>
+                <a:spcPts val="500"/>
+              </a:spcBef>
+              <a:buFont typeface="Arial" panose="020B0604020202020204" pitchFamily="34" charset="0"/>
+              <a:buChar char="•"/>
+              <a:defRPr sz="2400" kern="1200">
+                <a:solidFill>
+                  <a:schemeClr val="dk1"/>
+                </a:solidFill>
+                <a:latin typeface="+mn-lt"/>
+                <a:ea typeface="+mn-ea"/>
+                <a:cs typeface="+mn-cs"/>
+              </a:defRPr>
+            </a:lvl2pPr>
+            <a:lvl3pPr marL="1143000" indent="-228600" algn="l" defTabSz="914400" rtl="0" eaLnBrk="1" latinLnBrk="0" hangingPunct="1">
+              <a:lnSpc>
+                <a:spcPct val="90000"/>
+              </a:lnSpc>
+              <a:spcBef>
+                <a:spcPts val="500"/>
+              </a:spcBef>
+              <a:buFont typeface="Arial" panose="020B0604020202020204" pitchFamily="34" charset="0"/>
+              <a:buChar char="•"/>
+              <a:defRPr sz="2000" kern="1200">
+                <a:solidFill>
+                  <a:schemeClr val="dk1"/>
+                </a:solidFill>
+                <a:latin typeface="+mn-lt"/>
+                <a:ea typeface="+mn-ea"/>
+                <a:cs typeface="+mn-cs"/>
+              </a:defRPr>
+            </a:lvl3pPr>
+            <a:lvl4pPr marL="1600200" indent="-228600" algn="l" defTabSz="914400" rtl="0" eaLnBrk="1" latinLnBrk="0" hangingPunct="1">
+              <a:lnSpc>
+                <a:spcPct val="90000"/>
+              </a:lnSpc>
+              <a:spcBef>
+                <a:spcPts val="500"/>
+              </a:spcBef>
+              <a:buFont typeface="Arial" panose="020B0604020202020204" pitchFamily="34" charset="0"/>
+              <a:buChar char="•"/>
+              <a:defRPr sz="1800" kern="1200">
+                <a:solidFill>
+                  <a:schemeClr val="dk1"/>
+                </a:solidFill>
+                <a:latin typeface="+mn-lt"/>
+                <a:ea typeface="+mn-ea"/>
+                <a:cs typeface="+mn-cs"/>
+              </a:defRPr>
+            </a:lvl4pPr>
+            <a:lvl5pPr marL="2057400" indent="-228600" algn="l" defTabSz="914400" rtl="0" eaLnBrk="1" latinLnBrk="0" hangingPunct="1">
+              <a:lnSpc>
+                <a:spcPct val="90000"/>
+              </a:lnSpc>
+              <a:spcBef>
+                <a:spcPts val="500"/>
+              </a:spcBef>
+              <a:buFont typeface="Arial" panose="020B0604020202020204" pitchFamily="34" charset="0"/>
+              <a:buChar char="•"/>
+              <a:defRPr sz="1800" kern="1200">
+                <a:solidFill>
+                  <a:schemeClr val="dk1"/>
+                </a:solidFill>
+                <a:latin typeface="+mn-lt"/>
+                <a:ea typeface="+mn-ea"/>
+                <a:cs typeface="+mn-cs"/>
+              </a:defRPr>
+            </a:lvl5pPr>
+            <a:lvl6pPr marL="2514600" indent="-228600" algn="l" defTabSz="914400" rtl="0" eaLnBrk="1" latinLnBrk="0" hangingPunct="1">
+              <a:lnSpc>
+                <a:spcPct val="90000"/>
+              </a:lnSpc>
+              <a:spcBef>
+                <a:spcPts val="500"/>
+              </a:spcBef>
+              <a:buFont typeface="Arial" panose="020B0604020202020204" pitchFamily="34" charset="0"/>
+              <a:buChar char="•"/>
+              <a:defRPr sz="1800" kern="1200">
+                <a:solidFill>
+                  <a:schemeClr val="dk1"/>
+                </a:solidFill>
+                <a:latin typeface="+mn-lt"/>
+                <a:ea typeface="+mn-ea"/>
+                <a:cs typeface="+mn-cs"/>
+              </a:defRPr>
+            </a:lvl6pPr>
+            <a:lvl7pPr marL="2971800" indent="-228600" algn="l" defTabSz="914400" rtl="0" eaLnBrk="1" latinLnBrk="0" hangingPunct="1">
+              <a:lnSpc>
+                <a:spcPct val="90000"/>
+              </a:lnSpc>
+              <a:spcBef>
+                <a:spcPts val="500"/>
+              </a:spcBef>
+              <a:buFont typeface="Arial" panose="020B0604020202020204" pitchFamily="34" charset="0"/>
+              <a:buChar char="•"/>
+              <a:defRPr sz="1800" kern="1200">
+                <a:solidFill>
+                  <a:schemeClr val="dk1"/>
+                </a:solidFill>
+                <a:latin typeface="+mn-lt"/>
+                <a:ea typeface="+mn-ea"/>
+                <a:cs typeface="+mn-cs"/>
+              </a:defRPr>
+            </a:lvl7pPr>
+            <a:lvl8pPr marL="3429000" indent="-228600" algn="l" defTabSz="914400" rtl="0" eaLnBrk="1" latinLnBrk="0" hangingPunct="1">
+              <a:lnSpc>
+                <a:spcPct val="90000"/>
+              </a:lnSpc>
+              <a:spcBef>
+                <a:spcPts val="500"/>
+              </a:spcBef>
+              <a:buFont typeface="Arial" panose="020B0604020202020204" pitchFamily="34" charset="0"/>
+              <a:buChar char="•"/>
+              <a:defRPr sz="1800" kern="1200">
+                <a:solidFill>
+                  <a:schemeClr val="dk1"/>
+                </a:solidFill>
+                <a:latin typeface="+mn-lt"/>
+                <a:ea typeface="+mn-ea"/>
+                <a:cs typeface="+mn-cs"/>
+              </a:defRPr>
+            </a:lvl8pPr>
+            <a:lvl9pPr marL="3886200" indent="-228600" algn="l" defTabSz="914400" rtl="0" eaLnBrk="1" latinLnBrk="0" hangingPunct="1">
+              <a:lnSpc>
+                <a:spcPct val="90000"/>
+              </a:lnSpc>
+              <a:spcBef>
+                <a:spcPts val="500"/>
+              </a:spcBef>
+              <a:buFont typeface="Arial" panose="020B0604020202020204" pitchFamily="34" charset="0"/>
+              <a:buChar char="•"/>
+              <a:defRPr sz="1800" kern="1200">
+                <a:solidFill>
+                  <a:schemeClr val="dk1"/>
+                </a:solidFill>
+                <a:latin typeface="+mn-lt"/>
+                <a:ea typeface="+mn-ea"/>
+                <a:cs typeface="+mn-cs"/>
+              </a:defRPr>
+            </a:lvl9pPr>
+          </a:lstStyle>
+          <a:p>
+            <a:pPr marL="0" indent="0" algn="ctr">
+              <a:buNone/>
+            </a:pPr>
+            <a:r>
+              <a:rPr lang="en-US" sz="1700" dirty="0">
+                <a:cs typeface="Times New Roman" panose="02020603050405020304" pitchFamily="18" charset="0"/>
+              </a:rPr>
+              <a:t>Perceived risks and benefits of </a:t>
+            </a:r>
+            <a:r>
+              <a:rPr lang="en-US" sz="1700" b="1" dirty="0">
+                <a:cs typeface="Times New Roman" panose="02020603050405020304" pitchFamily="18" charset="0"/>
+              </a:rPr>
+              <a:t>conventional</a:t>
+            </a:r>
+            <a:r>
+              <a:rPr lang="en-US" sz="1700" dirty="0">
+                <a:cs typeface="Times New Roman" panose="02020603050405020304" pitchFamily="18" charset="0"/>
+              </a:rPr>
+              <a:t> robots</a:t>
+            </a:r>
+          </a:p>
+        </p:txBody>
+      </p:sp>
+      <p:sp>
+        <p:nvSpPr>
+          <p:cNvPr id="4" name="Rechteck: abgerundete Ecken 4">
+            <a:extLst>
+              <a:ext uri="{FF2B5EF4-FFF2-40B4-BE49-F238E27FC236}">
+                <a16:creationId xmlns:a16="http://schemas.microsoft.com/office/drawing/2014/main" id="{C8C1A388-48C1-FBD4-12D7-BDB4CA953BF1}"/>
+              </a:ext>
+            </a:extLst>
+          </p:cNvPr>
+          <p:cNvSpPr txBox="1">
+            <a:spLocks/>
+          </p:cNvSpPr>
+          <p:nvPr/>
+        </p:nvSpPr>
+        <p:spPr>
+          <a:xfrm>
+            <a:off x="7596169" y="72756"/>
+            <a:ext cx="2322770" cy="859531"/>
+          </a:xfrm>
+          <a:prstGeom prst="roundRect">
+            <a:avLst/>
+          </a:prstGeom>
+          <a:solidFill>
+            <a:schemeClr val="bg1">
+              <a:lumMod val="85000"/>
+            </a:schemeClr>
+          </a:solidFill>
+          <a:ln w="34925">
+            <a:solidFill>
+              <a:schemeClr val="bg1">
+                <a:lumMod val="50000"/>
+              </a:schemeClr>
+            </a:solidFill>
+          </a:ln>
+        </p:spPr>
+        <p:style>
+          <a:lnRef idx="2">
+            <a:schemeClr val="dk1"/>
+          </a:lnRef>
+          <a:fillRef idx="1">
+            <a:schemeClr val="lt1"/>
+          </a:fillRef>
+          <a:effectRef idx="0">
+            <a:schemeClr val="dk1"/>
+          </a:effectRef>
+          <a:fontRef idx="minor">
+            <a:schemeClr val="dk1"/>
+          </a:fontRef>
+        </p:style>
+        <p:txBody>
+          <a:bodyPr vert="horz" lIns="77145" tIns="38573" rIns="77145" bIns="38573" rtlCol="0" anchor="ctr">
+            <a:normAutofit/>
+          </a:bodyPr>
+          <a:lstStyle>
+            <a:lvl1pPr marL="228600" indent="-228600" algn="l" defTabSz="914400" rtl="0" eaLnBrk="1" latinLnBrk="0" hangingPunct="1">
+              <a:lnSpc>
+                <a:spcPct val="90000"/>
+              </a:lnSpc>
+              <a:spcBef>
+                <a:spcPts val="1000"/>
+              </a:spcBef>
+              <a:buFont typeface="Arial" panose="020B0604020202020204" pitchFamily="34" charset="0"/>
+              <a:buChar char="•"/>
+              <a:defRPr sz="2800" kern="1200">
+                <a:solidFill>
+                  <a:schemeClr val="dk1"/>
+                </a:solidFill>
+                <a:latin typeface="+mn-lt"/>
+                <a:ea typeface="+mn-ea"/>
+                <a:cs typeface="+mn-cs"/>
+              </a:defRPr>
+            </a:lvl1pPr>
+            <a:lvl2pPr marL="685800" indent="-228600" algn="l" defTabSz="914400" rtl="0" eaLnBrk="1" latinLnBrk="0" hangingPunct="1">
+              <a:lnSpc>
+                <a:spcPct val="90000"/>
+              </a:lnSpc>
+              <a:spcBef>
+                <a:spcPts val="500"/>
+              </a:spcBef>
+              <a:buFont typeface="Arial" panose="020B0604020202020204" pitchFamily="34" charset="0"/>
+              <a:buChar char="•"/>
+              <a:defRPr sz="2400" kern="1200">
+                <a:solidFill>
+                  <a:schemeClr val="dk1"/>
+                </a:solidFill>
+                <a:latin typeface="+mn-lt"/>
+                <a:ea typeface="+mn-ea"/>
+                <a:cs typeface="+mn-cs"/>
+              </a:defRPr>
+            </a:lvl2pPr>
+            <a:lvl3pPr marL="1143000" indent="-228600" algn="l" defTabSz="914400" rtl="0" eaLnBrk="1" latinLnBrk="0" hangingPunct="1">
+              <a:lnSpc>
+                <a:spcPct val="90000"/>
+              </a:lnSpc>
+              <a:spcBef>
+                <a:spcPts val="500"/>
+              </a:spcBef>
+              <a:buFont typeface="Arial" panose="020B0604020202020204" pitchFamily="34" charset="0"/>
+              <a:buChar char="•"/>
+              <a:defRPr sz="2000" kern="1200">
+                <a:solidFill>
+                  <a:schemeClr val="dk1"/>
+                </a:solidFill>
+                <a:latin typeface="+mn-lt"/>
+                <a:ea typeface="+mn-ea"/>
+                <a:cs typeface="+mn-cs"/>
+              </a:defRPr>
+            </a:lvl3pPr>
+            <a:lvl4pPr marL="1600200" indent="-228600" algn="l" defTabSz="914400" rtl="0" eaLnBrk="1" latinLnBrk="0" hangingPunct="1">
+              <a:lnSpc>
+                <a:spcPct val="90000"/>
+              </a:lnSpc>
+              <a:spcBef>
+                <a:spcPts val="500"/>
+              </a:spcBef>
+              <a:buFont typeface="Arial" panose="020B0604020202020204" pitchFamily="34" charset="0"/>
+              <a:buChar char="•"/>
+              <a:defRPr sz="1800" kern="1200">
+                <a:solidFill>
+                  <a:schemeClr val="dk1"/>
+                </a:solidFill>
+                <a:latin typeface="+mn-lt"/>
+                <a:ea typeface="+mn-ea"/>
+                <a:cs typeface="+mn-cs"/>
+              </a:defRPr>
+            </a:lvl4pPr>
+            <a:lvl5pPr marL="2057400" indent="-228600" algn="l" defTabSz="914400" rtl="0" eaLnBrk="1" latinLnBrk="0" hangingPunct="1">
+              <a:lnSpc>
+                <a:spcPct val="90000"/>
+              </a:lnSpc>
+              <a:spcBef>
+                <a:spcPts val="500"/>
+              </a:spcBef>
+              <a:buFont typeface="Arial" panose="020B0604020202020204" pitchFamily="34" charset="0"/>
+              <a:buChar char="•"/>
+              <a:defRPr sz="1800" kern="1200">
+                <a:solidFill>
+                  <a:schemeClr val="dk1"/>
+                </a:solidFill>
+                <a:latin typeface="+mn-lt"/>
+                <a:ea typeface="+mn-ea"/>
+                <a:cs typeface="+mn-cs"/>
+              </a:defRPr>
+            </a:lvl5pPr>
+            <a:lvl6pPr marL="2514600" indent="-228600" algn="l" defTabSz="914400" rtl="0" eaLnBrk="1" latinLnBrk="0" hangingPunct="1">
+              <a:lnSpc>
+                <a:spcPct val="90000"/>
+              </a:lnSpc>
+              <a:spcBef>
+                <a:spcPts val="500"/>
+              </a:spcBef>
+              <a:buFont typeface="Arial" panose="020B0604020202020204" pitchFamily="34" charset="0"/>
+              <a:buChar char="•"/>
+              <a:defRPr sz="1800" kern="1200">
+                <a:solidFill>
+                  <a:schemeClr val="dk1"/>
+                </a:solidFill>
+                <a:latin typeface="+mn-lt"/>
+                <a:ea typeface="+mn-ea"/>
+                <a:cs typeface="+mn-cs"/>
+              </a:defRPr>
+            </a:lvl6pPr>
+            <a:lvl7pPr marL="2971800" indent="-228600" algn="l" defTabSz="914400" rtl="0" eaLnBrk="1" latinLnBrk="0" hangingPunct="1">
+              <a:lnSpc>
+                <a:spcPct val="90000"/>
+              </a:lnSpc>
+              <a:spcBef>
+                <a:spcPts val="500"/>
+              </a:spcBef>
+              <a:buFont typeface="Arial" panose="020B0604020202020204" pitchFamily="34" charset="0"/>
+              <a:buChar char="•"/>
+              <a:defRPr sz="1800" kern="1200">
+                <a:solidFill>
+                  <a:schemeClr val="dk1"/>
+                </a:solidFill>
+                <a:latin typeface="+mn-lt"/>
+                <a:ea typeface="+mn-ea"/>
+                <a:cs typeface="+mn-cs"/>
+              </a:defRPr>
+            </a:lvl7pPr>
+            <a:lvl8pPr marL="3429000" indent="-228600" algn="l" defTabSz="914400" rtl="0" eaLnBrk="1" latinLnBrk="0" hangingPunct="1">
+              <a:lnSpc>
+                <a:spcPct val="90000"/>
+              </a:lnSpc>
+              <a:spcBef>
+                <a:spcPts val="500"/>
+              </a:spcBef>
+              <a:buFont typeface="Arial" panose="020B0604020202020204" pitchFamily="34" charset="0"/>
+              <a:buChar char="•"/>
+              <a:defRPr sz="1800" kern="1200">
+                <a:solidFill>
+                  <a:schemeClr val="dk1"/>
+                </a:solidFill>
+                <a:latin typeface="+mn-lt"/>
+                <a:ea typeface="+mn-ea"/>
+                <a:cs typeface="+mn-cs"/>
+              </a:defRPr>
+            </a:lvl8pPr>
+            <a:lvl9pPr marL="3886200" indent="-228600" algn="l" defTabSz="914400" rtl="0" eaLnBrk="1" latinLnBrk="0" hangingPunct="1">
+              <a:lnSpc>
+                <a:spcPct val="90000"/>
+              </a:lnSpc>
+              <a:spcBef>
+                <a:spcPts val="500"/>
+              </a:spcBef>
+              <a:buFont typeface="Arial" panose="020B0604020202020204" pitchFamily="34" charset="0"/>
+              <a:buChar char="•"/>
+              <a:defRPr sz="1800" kern="1200">
+                <a:solidFill>
+                  <a:schemeClr val="dk1"/>
+                </a:solidFill>
+                <a:latin typeface="+mn-lt"/>
+                <a:ea typeface="+mn-ea"/>
+                <a:cs typeface="+mn-cs"/>
+              </a:defRPr>
+            </a:lvl9pPr>
+          </a:lstStyle>
+          <a:p>
+            <a:pPr marL="0" indent="0" algn="ctr">
+              <a:buNone/>
+            </a:pPr>
+            <a:r>
+              <a:rPr lang="en-US" sz="1700" dirty="0">
+                <a:cs typeface="Times New Roman" panose="02020603050405020304" pitchFamily="18" charset="0"/>
+              </a:rPr>
+              <a:t>Perceived risks and benefits of </a:t>
+            </a:r>
+            <a:r>
+              <a:rPr lang="en-US" sz="1700" b="1" dirty="0">
+                <a:cs typeface="Times New Roman" panose="02020603050405020304" pitchFamily="18" charset="0"/>
+              </a:rPr>
+              <a:t>soft </a:t>
+            </a:r>
+            <a:r>
+              <a:rPr lang="en-US" sz="1700" dirty="0">
+                <a:cs typeface="Times New Roman" panose="02020603050405020304" pitchFamily="18" charset="0"/>
+              </a:rPr>
+              <a:t>robots</a:t>
+            </a:r>
+          </a:p>
+        </p:txBody>
+      </p:sp>
+      <p:sp>
+        <p:nvSpPr>
+          <p:cNvPr id="11" name="Rechteck 10">
+            <a:extLst>
+              <a:ext uri="{FF2B5EF4-FFF2-40B4-BE49-F238E27FC236}">
+                <a16:creationId xmlns:a16="http://schemas.microsoft.com/office/drawing/2014/main" id="{92361FDE-BBB2-F31C-4983-99F988206A65}"/>
+              </a:ext>
+            </a:extLst>
+          </p:cNvPr>
+          <p:cNvSpPr/>
+          <p:nvPr/>
+        </p:nvSpPr>
+        <p:spPr>
+          <a:xfrm>
+            <a:off x="1254580" y="4049617"/>
+            <a:ext cx="540216" cy="403733"/>
+          </a:xfrm>
+          <a:prstGeom prst="rect">
+            <a:avLst/>
+          </a:prstGeom>
+          <a:noFill/>
+          <a:ln w="38100">
+            <a:solidFill>
+              <a:schemeClr val="bg1">
+                <a:lumMod val="65000"/>
+              </a:schemeClr>
+            </a:solidFill>
+            <a:prstDash val="dash"/>
+          </a:ln>
+        </p:spPr>
+        <p:style>
+          <a:lnRef idx="2">
+            <a:schemeClr val="accent1">
+              <a:shade val="50000"/>
+            </a:schemeClr>
+          </a:lnRef>
+          <a:fillRef idx="1">
+            <a:schemeClr val="accent1"/>
+          </a:fillRef>
+          <a:effectRef idx="0">
+            <a:schemeClr val="accent1"/>
+          </a:effectRef>
+          <a:fontRef idx="minor">
+            <a:schemeClr val="lt1"/>
+          </a:fontRef>
+        </p:style>
+        <p:txBody>
+          <a:bodyPr rtlCol="0" anchor="ctr"/>
+          <a:lstStyle/>
+          <a:p>
+            <a:pPr algn="ctr"/>
+            <a:endParaRPr lang="en-US" sz="3470"/>
           </a:p>
         </p:txBody>
       </p:sp>
     </p:spTree>
     <p:extLst>
       <p:ext uri="{BB962C8B-B14F-4D97-AF65-F5344CB8AC3E}">
-        <p14:creationId xmlns:p14="http://schemas.microsoft.com/office/powerpoint/2010/main" val="3785541996"/>
+        <p14:creationId xmlns:p14="http://schemas.microsoft.com/office/powerpoint/2010/main" val="2703204208"/>
       </p:ext>
     </p:extLst>
   </p:cSld>
@@ -5053,7 +7025,7 @@
 <file path=ppt/theme/theme1.xml><?xml version="1.0" encoding="utf-8"?>
 <a:theme xmlns:a="http://schemas.openxmlformats.org/drawingml/2006/main" name="Office 2013 – 2022-Design">
   <a:themeElements>
-    <a:clrScheme name="Office 2013 – 2022-Design">
+    <a:clrScheme name="Office">
       <a:dk1>
         <a:sysClr val="windowText" lastClr="000000"/>
       </a:dk1>
@@ -5091,7 +7063,7 @@
         <a:srgbClr val="954F72"/>
       </a:folHlink>
     </a:clrScheme>
-    <a:fontScheme name="Office 2013 – 2022-Design">
+    <a:fontScheme name="Office">
       <a:majorFont>
         <a:latin typeface="Calibri Light" panose="020F0302020204030204"/>
         <a:ea typeface=""/>
@@ -5163,7 +7135,7 @@
         <a:font script="Geor" typeface="Sylfaen"/>
       </a:minorFont>
     </a:fontScheme>
-    <a:fmtScheme name="Office 2013 – 2022-Design">
+    <a:fmtScheme name="Office">
       <a:fillStyleLst>
         <a:solidFill>
           <a:schemeClr val="phClr"/>
@@ -5305,7 +7277,7 @@
   <a:extraClrSchemeLst/>
   <a:extLst>
     <a:ext uri="{05A4C25C-085E-4340-85A3-A5531E510DB2}">
-      <thm15:themeFamily xmlns:thm15="http://schemas.microsoft.com/office/thememl/2012/main" name="Office 2013 - 2022 Theme" id="{62F939B6-93AF-4DB8-9C6B-D6C7DFDC589F}" vid="{4A3C46E8-61CC-4603-A589-7422A47A8E4A}"/>
+      <thm15:themeFamily xmlns:thm15="http://schemas.microsoft.com/office/thememl/2012/main" name="Office Theme" id="{62F939B6-93AF-4DB8-9C6B-D6C7DFDC589F}" vid="{4A3C46E8-61CC-4603-A589-7422A47A8E4A}"/>
     </a:ext>
   </a:extLst>
 </a:theme>
